--- a/vsjava/java/bin/project1/뮤지컬티켓예매프로그램.pptx
+++ b/vsjava/java/bin/project1/뮤지컬티켓예매프로그램.pptx
@@ -7,6 +7,7 @@
   <p:sldIdLst>
     <p:sldId id="256" r:id="rId2"/>
     <p:sldId id="257" r:id="rId3"/>
+    <p:sldId id="258" r:id="rId4"/>
   </p:sldIdLst>
   <p:sldSz cx="12192000" cy="6858000"/>
   <p:notesSz cx="6858000" cy="9144000"/>
@@ -155,10 +156,9 @@
           </a:lstStyle>
           <a:p>
             <a:r>
-              <a:rPr lang="ko-KR" altLang="en-US" smtClean="0"/>
+              <a:rPr lang="ko-KR" altLang="en-US"/>
               <a:t>마스터 제목 스타일 편집</a:t>
             </a:r>
-            <a:endParaRPr lang="ko-KR" altLang="en-US"/>
           </a:p>
         </p:txBody>
       </p:sp>
@@ -220,10 +220,9 @@
           </a:lstStyle>
           <a:p>
             <a:r>
-              <a:rPr lang="ko-KR" altLang="en-US" smtClean="0"/>
+              <a:rPr lang="ko-KR" altLang="en-US"/>
               <a:t>클릭하여 마스터 부제목 스타일 편집</a:t>
             </a:r>
-            <a:endParaRPr lang="ko-KR" altLang="en-US"/>
           </a:p>
         </p:txBody>
       </p:sp>
@@ -244,7 +243,7 @@
           <a:p>
             <a:fld id="{FD679319-BB7B-4B7D-8C38-41D5CE42AA71}" type="datetimeFigureOut">
               <a:rPr lang="ko-KR" altLang="en-US" smtClean="0"/>
-              <a:t>2024-12-06</a:t>
+              <a:t>12-08(Sun)</a:t>
             </a:fld>
             <a:endParaRPr lang="ko-KR" altLang="en-US"/>
           </a:p>
@@ -338,10 +337,9 @@
           <a:lstStyle/>
           <a:p>
             <a:r>
-              <a:rPr lang="ko-KR" altLang="en-US" smtClean="0"/>
+              <a:rPr lang="ko-KR" altLang="en-US"/>
               <a:t>마스터 제목 스타일 편집</a:t>
             </a:r>
-            <a:endParaRPr lang="ko-KR" altLang="en-US"/>
           </a:p>
         </p:txBody>
       </p:sp>
@@ -362,38 +360,37 @@
           <a:p>
             <a:pPr lvl="0"/>
             <a:r>
-              <a:rPr lang="ko-KR" altLang="en-US" smtClean="0"/>
+              <a:rPr lang="ko-KR" altLang="en-US"/>
               <a:t>마스터 텍스트 스타일 편집</a:t>
             </a:r>
           </a:p>
           <a:p>
             <a:pPr lvl="1"/>
             <a:r>
-              <a:rPr lang="ko-KR" altLang="en-US" smtClean="0"/>
+              <a:rPr lang="ko-KR" altLang="en-US"/>
               <a:t>둘째 수준</a:t>
             </a:r>
           </a:p>
           <a:p>
             <a:pPr lvl="2"/>
             <a:r>
-              <a:rPr lang="ko-KR" altLang="en-US" smtClean="0"/>
+              <a:rPr lang="ko-KR" altLang="en-US"/>
               <a:t>셋째 수준</a:t>
             </a:r>
           </a:p>
           <a:p>
             <a:pPr lvl="3"/>
             <a:r>
-              <a:rPr lang="ko-KR" altLang="en-US" smtClean="0"/>
+              <a:rPr lang="ko-KR" altLang="en-US"/>
               <a:t>넷째 수준</a:t>
             </a:r>
           </a:p>
           <a:p>
             <a:pPr lvl="4"/>
             <a:r>
-              <a:rPr lang="ko-KR" altLang="en-US" smtClean="0"/>
+              <a:rPr lang="ko-KR" altLang="en-US"/>
               <a:t>다섯째 수준</a:t>
             </a:r>
-            <a:endParaRPr lang="ko-KR" altLang="en-US"/>
           </a:p>
         </p:txBody>
       </p:sp>
@@ -414,7 +411,7 @@
           <a:p>
             <a:fld id="{FD679319-BB7B-4B7D-8C38-41D5CE42AA71}" type="datetimeFigureOut">
               <a:rPr lang="ko-KR" altLang="en-US" smtClean="0"/>
-              <a:t>2024-12-06</a:t>
+              <a:t>12-08(Sun)</a:t>
             </a:fld>
             <a:endParaRPr lang="ko-KR" altLang="en-US"/>
           </a:p>
@@ -513,10 +510,9 @@
           <a:lstStyle/>
           <a:p>
             <a:r>
-              <a:rPr lang="ko-KR" altLang="en-US" smtClean="0"/>
+              <a:rPr lang="ko-KR" altLang="en-US"/>
               <a:t>마스터 제목 스타일 편집</a:t>
             </a:r>
-            <a:endParaRPr lang="ko-KR" altLang="en-US"/>
           </a:p>
         </p:txBody>
       </p:sp>
@@ -542,38 +538,37 @@
           <a:p>
             <a:pPr lvl="0"/>
             <a:r>
-              <a:rPr lang="ko-KR" altLang="en-US" smtClean="0"/>
+              <a:rPr lang="ko-KR" altLang="en-US"/>
               <a:t>마스터 텍스트 스타일 편집</a:t>
             </a:r>
           </a:p>
           <a:p>
             <a:pPr lvl="1"/>
             <a:r>
-              <a:rPr lang="ko-KR" altLang="en-US" smtClean="0"/>
+              <a:rPr lang="ko-KR" altLang="en-US"/>
               <a:t>둘째 수준</a:t>
             </a:r>
           </a:p>
           <a:p>
             <a:pPr lvl="2"/>
             <a:r>
-              <a:rPr lang="ko-KR" altLang="en-US" smtClean="0"/>
+              <a:rPr lang="ko-KR" altLang="en-US"/>
               <a:t>셋째 수준</a:t>
             </a:r>
           </a:p>
           <a:p>
             <a:pPr lvl="3"/>
             <a:r>
-              <a:rPr lang="ko-KR" altLang="en-US" smtClean="0"/>
+              <a:rPr lang="ko-KR" altLang="en-US"/>
               <a:t>넷째 수준</a:t>
             </a:r>
           </a:p>
           <a:p>
             <a:pPr lvl="4"/>
             <a:r>
-              <a:rPr lang="ko-KR" altLang="en-US" smtClean="0"/>
+              <a:rPr lang="ko-KR" altLang="en-US"/>
               <a:t>다섯째 수준</a:t>
             </a:r>
-            <a:endParaRPr lang="ko-KR" altLang="en-US"/>
           </a:p>
         </p:txBody>
       </p:sp>
@@ -594,7 +589,7 @@
           <a:p>
             <a:fld id="{FD679319-BB7B-4B7D-8C38-41D5CE42AA71}" type="datetimeFigureOut">
               <a:rPr lang="ko-KR" altLang="en-US" smtClean="0"/>
-              <a:t>2024-12-06</a:t>
+              <a:t>12-08(Sun)</a:t>
             </a:fld>
             <a:endParaRPr lang="ko-KR" altLang="en-US"/>
           </a:p>
@@ -688,10 +683,9 @@
           <a:lstStyle/>
           <a:p>
             <a:r>
-              <a:rPr lang="ko-KR" altLang="en-US" smtClean="0"/>
+              <a:rPr lang="ko-KR" altLang="en-US"/>
               <a:t>마스터 제목 스타일 편집</a:t>
             </a:r>
-            <a:endParaRPr lang="ko-KR" altLang="en-US"/>
           </a:p>
         </p:txBody>
       </p:sp>
@@ -712,38 +706,37 @@
           <a:p>
             <a:pPr lvl="0"/>
             <a:r>
-              <a:rPr lang="ko-KR" altLang="en-US" smtClean="0"/>
+              <a:rPr lang="ko-KR" altLang="en-US"/>
               <a:t>마스터 텍스트 스타일 편집</a:t>
             </a:r>
           </a:p>
           <a:p>
             <a:pPr lvl="1"/>
             <a:r>
-              <a:rPr lang="ko-KR" altLang="en-US" smtClean="0"/>
+              <a:rPr lang="ko-KR" altLang="en-US"/>
               <a:t>둘째 수준</a:t>
             </a:r>
           </a:p>
           <a:p>
             <a:pPr lvl="2"/>
             <a:r>
-              <a:rPr lang="ko-KR" altLang="en-US" smtClean="0"/>
+              <a:rPr lang="ko-KR" altLang="en-US"/>
               <a:t>셋째 수준</a:t>
             </a:r>
           </a:p>
           <a:p>
             <a:pPr lvl="3"/>
             <a:r>
-              <a:rPr lang="ko-KR" altLang="en-US" smtClean="0"/>
+              <a:rPr lang="ko-KR" altLang="en-US"/>
               <a:t>넷째 수준</a:t>
             </a:r>
           </a:p>
           <a:p>
             <a:pPr lvl="4"/>
             <a:r>
-              <a:rPr lang="ko-KR" altLang="en-US" smtClean="0"/>
+              <a:rPr lang="ko-KR" altLang="en-US"/>
               <a:t>다섯째 수준</a:t>
             </a:r>
-            <a:endParaRPr lang="ko-KR" altLang="en-US"/>
           </a:p>
         </p:txBody>
       </p:sp>
@@ -764,7 +757,7 @@
           <a:p>
             <a:fld id="{FD679319-BB7B-4B7D-8C38-41D5CE42AA71}" type="datetimeFigureOut">
               <a:rPr lang="ko-KR" altLang="en-US" smtClean="0"/>
-              <a:t>2024-12-06</a:t>
+              <a:t>12-08(Sun)</a:t>
             </a:fld>
             <a:endParaRPr lang="ko-KR" altLang="en-US"/>
           </a:p>
@@ -867,10 +860,9 @@
           </a:lstStyle>
           <a:p>
             <a:r>
-              <a:rPr lang="ko-KR" altLang="en-US" smtClean="0"/>
+              <a:rPr lang="ko-KR" altLang="en-US"/>
               <a:t>마스터 제목 스타일 편집</a:t>
             </a:r>
-            <a:endParaRPr lang="ko-KR" altLang="en-US"/>
           </a:p>
         </p:txBody>
       </p:sp>
@@ -987,7 +979,7 @@
           <a:p>
             <a:pPr lvl="0"/>
             <a:r>
-              <a:rPr lang="ko-KR" altLang="en-US" smtClean="0"/>
+              <a:rPr lang="ko-KR" altLang="en-US"/>
               <a:t>마스터 텍스트 스타일 편집</a:t>
             </a:r>
           </a:p>
@@ -1010,7 +1002,7 @@
           <a:p>
             <a:fld id="{FD679319-BB7B-4B7D-8C38-41D5CE42AA71}" type="datetimeFigureOut">
               <a:rPr lang="ko-KR" altLang="en-US" smtClean="0"/>
-              <a:t>2024-12-06</a:t>
+              <a:t>12-08(Sun)</a:t>
             </a:fld>
             <a:endParaRPr lang="ko-KR" altLang="en-US"/>
           </a:p>
@@ -1104,10 +1096,9 @@
           <a:lstStyle/>
           <a:p>
             <a:r>
-              <a:rPr lang="ko-KR" altLang="en-US" smtClean="0"/>
+              <a:rPr lang="ko-KR" altLang="en-US"/>
               <a:t>마스터 제목 스타일 편집</a:t>
             </a:r>
-            <a:endParaRPr lang="ko-KR" altLang="en-US"/>
           </a:p>
         </p:txBody>
       </p:sp>
@@ -1133,38 +1124,37 @@
           <a:p>
             <a:pPr lvl="0"/>
             <a:r>
-              <a:rPr lang="ko-KR" altLang="en-US" smtClean="0"/>
+              <a:rPr lang="ko-KR" altLang="en-US"/>
               <a:t>마스터 텍스트 스타일 편집</a:t>
             </a:r>
           </a:p>
           <a:p>
             <a:pPr lvl="1"/>
             <a:r>
-              <a:rPr lang="ko-KR" altLang="en-US" smtClean="0"/>
+              <a:rPr lang="ko-KR" altLang="en-US"/>
               <a:t>둘째 수준</a:t>
             </a:r>
           </a:p>
           <a:p>
             <a:pPr lvl="2"/>
             <a:r>
-              <a:rPr lang="ko-KR" altLang="en-US" smtClean="0"/>
+              <a:rPr lang="ko-KR" altLang="en-US"/>
               <a:t>셋째 수준</a:t>
             </a:r>
           </a:p>
           <a:p>
             <a:pPr lvl="3"/>
             <a:r>
-              <a:rPr lang="ko-KR" altLang="en-US" smtClean="0"/>
+              <a:rPr lang="ko-KR" altLang="en-US"/>
               <a:t>넷째 수준</a:t>
             </a:r>
           </a:p>
           <a:p>
             <a:pPr lvl="4"/>
             <a:r>
-              <a:rPr lang="ko-KR" altLang="en-US" smtClean="0"/>
+              <a:rPr lang="ko-KR" altLang="en-US"/>
               <a:t>다섯째 수준</a:t>
             </a:r>
-            <a:endParaRPr lang="ko-KR" altLang="en-US"/>
           </a:p>
         </p:txBody>
       </p:sp>
@@ -1190,38 +1180,37 @@
           <a:p>
             <a:pPr lvl="0"/>
             <a:r>
-              <a:rPr lang="ko-KR" altLang="en-US" smtClean="0"/>
+              <a:rPr lang="ko-KR" altLang="en-US"/>
               <a:t>마스터 텍스트 스타일 편집</a:t>
             </a:r>
           </a:p>
           <a:p>
             <a:pPr lvl="1"/>
             <a:r>
-              <a:rPr lang="ko-KR" altLang="en-US" smtClean="0"/>
+              <a:rPr lang="ko-KR" altLang="en-US"/>
               <a:t>둘째 수준</a:t>
             </a:r>
           </a:p>
           <a:p>
             <a:pPr lvl="2"/>
             <a:r>
-              <a:rPr lang="ko-KR" altLang="en-US" smtClean="0"/>
+              <a:rPr lang="ko-KR" altLang="en-US"/>
               <a:t>셋째 수준</a:t>
             </a:r>
           </a:p>
           <a:p>
             <a:pPr lvl="3"/>
             <a:r>
-              <a:rPr lang="ko-KR" altLang="en-US" smtClean="0"/>
+              <a:rPr lang="ko-KR" altLang="en-US"/>
               <a:t>넷째 수준</a:t>
             </a:r>
           </a:p>
           <a:p>
             <a:pPr lvl="4"/>
             <a:r>
-              <a:rPr lang="ko-KR" altLang="en-US" smtClean="0"/>
+              <a:rPr lang="ko-KR" altLang="en-US"/>
               <a:t>다섯째 수준</a:t>
             </a:r>
-            <a:endParaRPr lang="ko-KR" altLang="en-US"/>
           </a:p>
         </p:txBody>
       </p:sp>
@@ -1242,7 +1231,7 @@
           <a:p>
             <a:fld id="{FD679319-BB7B-4B7D-8C38-41D5CE42AA71}" type="datetimeFigureOut">
               <a:rPr lang="ko-KR" altLang="en-US" smtClean="0"/>
-              <a:t>2024-12-06</a:t>
+              <a:t>12-08(Sun)</a:t>
             </a:fld>
             <a:endParaRPr lang="ko-KR" altLang="en-US"/>
           </a:p>
@@ -1341,10 +1330,9 @@
           <a:lstStyle/>
           <a:p>
             <a:r>
-              <a:rPr lang="ko-KR" altLang="en-US" smtClean="0"/>
+              <a:rPr lang="ko-KR" altLang="en-US"/>
               <a:t>마스터 제목 스타일 편집</a:t>
             </a:r>
-            <a:endParaRPr lang="ko-KR" altLang="en-US"/>
           </a:p>
         </p:txBody>
       </p:sp>
@@ -1407,7 +1395,7 @@
           <a:p>
             <a:pPr lvl="0"/>
             <a:r>
-              <a:rPr lang="ko-KR" altLang="en-US" smtClean="0"/>
+              <a:rPr lang="ko-KR" altLang="en-US"/>
               <a:t>마스터 텍스트 스타일 편집</a:t>
             </a:r>
           </a:p>
@@ -1435,38 +1423,37 @@
           <a:p>
             <a:pPr lvl="0"/>
             <a:r>
-              <a:rPr lang="ko-KR" altLang="en-US" smtClean="0"/>
+              <a:rPr lang="ko-KR" altLang="en-US"/>
               <a:t>마스터 텍스트 스타일 편집</a:t>
             </a:r>
           </a:p>
           <a:p>
             <a:pPr lvl="1"/>
             <a:r>
-              <a:rPr lang="ko-KR" altLang="en-US" smtClean="0"/>
+              <a:rPr lang="ko-KR" altLang="en-US"/>
               <a:t>둘째 수준</a:t>
             </a:r>
           </a:p>
           <a:p>
             <a:pPr lvl="2"/>
             <a:r>
-              <a:rPr lang="ko-KR" altLang="en-US" smtClean="0"/>
+              <a:rPr lang="ko-KR" altLang="en-US"/>
               <a:t>셋째 수준</a:t>
             </a:r>
           </a:p>
           <a:p>
             <a:pPr lvl="3"/>
             <a:r>
-              <a:rPr lang="ko-KR" altLang="en-US" smtClean="0"/>
+              <a:rPr lang="ko-KR" altLang="en-US"/>
               <a:t>넷째 수준</a:t>
             </a:r>
           </a:p>
           <a:p>
             <a:pPr lvl="4"/>
             <a:r>
-              <a:rPr lang="ko-KR" altLang="en-US" smtClean="0"/>
+              <a:rPr lang="ko-KR" altLang="en-US"/>
               <a:t>다섯째 수준</a:t>
             </a:r>
-            <a:endParaRPr lang="ko-KR" altLang="en-US"/>
           </a:p>
         </p:txBody>
       </p:sp>
@@ -1529,7 +1516,7 @@
           <a:p>
             <a:pPr lvl="0"/>
             <a:r>
-              <a:rPr lang="ko-KR" altLang="en-US" smtClean="0"/>
+              <a:rPr lang="ko-KR" altLang="en-US"/>
               <a:t>마스터 텍스트 스타일 편집</a:t>
             </a:r>
           </a:p>
@@ -1557,38 +1544,37 @@
           <a:p>
             <a:pPr lvl="0"/>
             <a:r>
-              <a:rPr lang="ko-KR" altLang="en-US" smtClean="0"/>
+              <a:rPr lang="ko-KR" altLang="en-US"/>
               <a:t>마스터 텍스트 스타일 편집</a:t>
             </a:r>
           </a:p>
           <a:p>
             <a:pPr lvl="1"/>
             <a:r>
-              <a:rPr lang="ko-KR" altLang="en-US" smtClean="0"/>
+              <a:rPr lang="ko-KR" altLang="en-US"/>
               <a:t>둘째 수준</a:t>
             </a:r>
           </a:p>
           <a:p>
             <a:pPr lvl="2"/>
             <a:r>
-              <a:rPr lang="ko-KR" altLang="en-US" smtClean="0"/>
+              <a:rPr lang="ko-KR" altLang="en-US"/>
               <a:t>셋째 수준</a:t>
             </a:r>
           </a:p>
           <a:p>
             <a:pPr lvl="3"/>
             <a:r>
-              <a:rPr lang="ko-KR" altLang="en-US" smtClean="0"/>
+              <a:rPr lang="ko-KR" altLang="en-US"/>
               <a:t>넷째 수준</a:t>
             </a:r>
           </a:p>
           <a:p>
             <a:pPr lvl="4"/>
             <a:r>
-              <a:rPr lang="ko-KR" altLang="en-US" smtClean="0"/>
+              <a:rPr lang="ko-KR" altLang="en-US"/>
               <a:t>다섯째 수준</a:t>
             </a:r>
-            <a:endParaRPr lang="ko-KR" altLang="en-US"/>
           </a:p>
         </p:txBody>
       </p:sp>
@@ -1609,7 +1595,7 @@
           <a:p>
             <a:fld id="{FD679319-BB7B-4B7D-8C38-41D5CE42AA71}" type="datetimeFigureOut">
               <a:rPr lang="ko-KR" altLang="en-US" smtClean="0"/>
-              <a:t>2024-12-06</a:t>
+              <a:t>12-08(Sun)</a:t>
             </a:fld>
             <a:endParaRPr lang="ko-KR" altLang="en-US"/>
           </a:p>
@@ -1703,10 +1689,9 @@
           <a:lstStyle/>
           <a:p>
             <a:r>
-              <a:rPr lang="ko-KR" altLang="en-US" smtClean="0"/>
+              <a:rPr lang="ko-KR" altLang="en-US"/>
               <a:t>마스터 제목 스타일 편집</a:t>
             </a:r>
-            <a:endParaRPr lang="ko-KR" altLang="en-US"/>
           </a:p>
         </p:txBody>
       </p:sp>
@@ -1727,7 +1712,7 @@
           <a:p>
             <a:fld id="{FD679319-BB7B-4B7D-8C38-41D5CE42AA71}" type="datetimeFigureOut">
               <a:rPr lang="ko-KR" altLang="en-US" smtClean="0"/>
-              <a:t>2024-12-06</a:t>
+              <a:t>12-08(Sun)</a:t>
             </a:fld>
             <a:endParaRPr lang="ko-KR" altLang="en-US"/>
           </a:p>
@@ -1822,7 +1807,7 @@
           <a:p>
             <a:fld id="{FD679319-BB7B-4B7D-8C38-41D5CE42AA71}" type="datetimeFigureOut">
               <a:rPr lang="ko-KR" altLang="en-US" smtClean="0"/>
-              <a:t>2024-12-06</a:t>
+              <a:t>12-08(Sun)</a:t>
             </a:fld>
             <a:endParaRPr lang="ko-KR" altLang="en-US"/>
           </a:p>
@@ -1925,10 +1910,9 @@
           </a:lstStyle>
           <a:p>
             <a:r>
-              <a:rPr lang="ko-KR" altLang="en-US" smtClean="0"/>
+              <a:rPr lang="ko-KR" altLang="en-US"/>
               <a:t>마스터 제목 스타일 편집</a:t>
             </a:r>
-            <a:endParaRPr lang="ko-KR" altLang="en-US"/>
           </a:p>
         </p:txBody>
       </p:sp>
@@ -1982,38 +1966,37 @@
           <a:p>
             <a:pPr lvl="0"/>
             <a:r>
-              <a:rPr lang="ko-KR" altLang="en-US" smtClean="0"/>
+              <a:rPr lang="ko-KR" altLang="en-US"/>
               <a:t>마스터 텍스트 스타일 편집</a:t>
             </a:r>
           </a:p>
           <a:p>
             <a:pPr lvl="1"/>
             <a:r>
-              <a:rPr lang="ko-KR" altLang="en-US" smtClean="0"/>
+              <a:rPr lang="ko-KR" altLang="en-US"/>
               <a:t>둘째 수준</a:t>
             </a:r>
           </a:p>
           <a:p>
             <a:pPr lvl="2"/>
             <a:r>
-              <a:rPr lang="ko-KR" altLang="en-US" smtClean="0"/>
+              <a:rPr lang="ko-KR" altLang="en-US"/>
               <a:t>셋째 수준</a:t>
             </a:r>
           </a:p>
           <a:p>
             <a:pPr lvl="3"/>
             <a:r>
-              <a:rPr lang="ko-KR" altLang="en-US" smtClean="0"/>
+              <a:rPr lang="ko-KR" altLang="en-US"/>
               <a:t>넷째 수준</a:t>
             </a:r>
           </a:p>
           <a:p>
             <a:pPr lvl="4"/>
             <a:r>
-              <a:rPr lang="ko-KR" altLang="en-US" smtClean="0"/>
+              <a:rPr lang="ko-KR" altLang="en-US"/>
               <a:t>다섯째 수준</a:t>
             </a:r>
-            <a:endParaRPr lang="ko-KR" altLang="en-US"/>
           </a:p>
         </p:txBody>
       </p:sp>
@@ -2076,7 +2059,7 @@
           <a:p>
             <a:pPr lvl="0"/>
             <a:r>
-              <a:rPr lang="ko-KR" altLang="en-US" smtClean="0"/>
+              <a:rPr lang="ko-KR" altLang="en-US"/>
               <a:t>마스터 텍스트 스타일 편집</a:t>
             </a:r>
           </a:p>
@@ -2099,7 +2082,7 @@
           <a:p>
             <a:fld id="{FD679319-BB7B-4B7D-8C38-41D5CE42AA71}" type="datetimeFigureOut">
               <a:rPr lang="ko-KR" altLang="en-US" smtClean="0"/>
-              <a:t>2024-12-06</a:t>
+              <a:t>12-08(Sun)</a:t>
             </a:fld>
             <a:endParaRPr lang="ko-KR" altLang="en-US"/>
           </a:p>
@@ -2202,10 +2185,9 @@
           </a:lstStyle>
           <a:p>
             <a:r>
-              <a:rPr lang="ko-KR" altLang="en-US" smtClean="0"/>
+              <a:rPr lang="ko-KR" altLang="en-US"/>
               <a:t>마스터 제목 스타일 편집</a:t>
             </a:r>
-            <a:endParaRPr lang="ko-KR" altLang="en-US"/>
           </a:p>
         </p:txBody>
       </p:sp>
@@ -2329,7 +2311,7 @@
           <a:p>
             <a:pPr lvl="0"/>
             <a:r>
-              <a:rPr lang="ko-KR" altLang="en-US" smtClean="0"/>
+              <a:rPr lang="ko-KR" altLang="en-US"/>
               <a:t>마스터 텍스트 스타일 편집</a:t>
             </a:r>
           </a:p>
@@ -2352,7 +2334,7 @@
           <a:p>
             <a:fld id="{FD679319-BB7B-4B7D-8C38-41D5CE42AA71}" type="datetimeFigureOut">
               <a:rPr lang="ko-KR" altLang="en-US" smtClean="0"/>
-              <a:t>2024-12-06</a:t>
+              <a:t>12-08(Sun)</a:t>
             </a:fld>
             <a:endParaRPr lang="ko-KR" altLang="en-US"/>
           </a:p>
@@ -2461,10 +2443,9 @@
           <a:lstStyle/>
           <a:p>
             <a:r>
-              <a:rPr lang="ko-KR" altLang="en-US" smtClean="0"/>
+              <a:rPr lang="ko-KR" altLang="en-US"/>
               <a:t>마스터 제목 스타일 편집</a:t>
             </a:r>
-            <a:endParaRPr lang="ko-KR" altLang="en-US"/>
           </a:p>
         </p:txBody>
       </p:sp>
@@ -2495,38 +2476,37 @@
           <a:p>
             <a:pPr lvl="0"/>
             <a:r>
-              <a:rPr lang="ko-KR" altLang="en-US" smtClean="0"/>
+              <a:rPr lang="ko-KR" altLang="en-US"/>
               <a:t>마스터 텍스트 스타일 편집</a:t>
             </a:r>
           </a:p>
           <a:p>
             <a:pPr lvl="1"/>
             <a:r>
-              <a:rPr lang="ko-KR" altLang="en-US" smtClean="0"/>
+              <a:rPr lang="ko-KR" altLang="en-US"/>
               <a:t>둘째 수준</a:t>
             </a:r>
           </a:p>
           <a:p>
             <a:pPr lvl="2"/>
             <a:r>
-              <a:rPr lang="ko-KR" altLang="en-US" smtClean="0"/>
+              <a:rPr lang="ko-KR" altLang="en-US"/>
               <a:t>셋째 수준</a:t>
             </a:r>
           </a:p>
           <a:p>
             <a:pPr lvl="3"/>
             <a:r>
-              <a:rPr lang="ko-KR" altLang="en-US" smtClean="0"/>
+              <a:rPr lang="ko-KR" altLang="en-US"/>
               <a:t>넷째 수준</a:t>
             </a:r>
           </a:p>
           <a:p>
             <a:pPr lvl="4"/>
             <a:r>
-              <a:rPr lang="ko-KR" altLang="en-US" smtClean="0"/>
+              <a:rPr lang="ko-KR" altLang="en-US"/>
               <a:t>다섯째 수준</a:t>
             </a:r>
-            <a:endParaRPr lang="ko-KR" altLang="en-US"/>
           </a:p>
         </p:txBody>
       </p:sp>
@@ -2565,7 +2545,7 @@
           <a:p>
             <a:fld id="{FD679319-BB7B-4B7D-8C38-41D5CE42AA71}" type="datetimeFigureOut">
               <a:rPr lang="ko-KR" altLang="en-US" smtClean="0"/>
-              <a:t>2024-12-06</a:t>
+              <a:t>12-08(Sun)</a:t>
             </a:fld>
             <a:endParaRPr lang="ko-KR" altLang="en-US"/>
           </a:p>
@@ -2979,7 +2959,7 @@
         <p:spPr>
           <a:xfrm>
             <a:off x="0" y="0"/>
-            <a:ext cx="12192000" cy="3543593"/>
+            <a:ext cx="12192000" cy="3924129"/>
           </a:xfrm>
           <a:prstGeom prst="rect">
             <a:avLst/>
@@ -3026,10 +3006,10 @@
         </p:nvGrpSpPr>
         <p:grpSpPr>
           <a:xfrm>
-            <a:off x="2286000" y="2758763"/>
-            <a:ext cx="7620000" cy="1569660"/>
-            <a:chOff x="3311236" y="2593571"/>
-            <a:chExt cx="5569528" cy="1569660"/>
+            <a:off x="60483" y="2330620"/>
+            <a:ext cx="12071037" cy="1975560"/>
+            <a:chOff x="4338082" y="1504548"/>
+            <a:chExt cx="5569528" cy="2750820"/>
           </a:xfrm>
         </p:grpSpPr>
         <p:sp>
@@ -3040,8 +3020,8 @@
           </p:nvSpPr>
           <p:spPr>
             <a:xfrm>
-              <a:off x="3311236" y="2593571"/>
-              <a:ext cx="5569528" cy="1569660"/>
+              <a:off x="4338082" y="1504548"/>
+              <a:ext cx="5569528" cy="2185634"/>
             </a:xfrm>
             <a:prstGeom prst="rect">
               <a:avLst/>
@@ -3056,22 +3036,35 @@
             <a:p>
               <a:pPr algn="ctr"/>
               <a:r>
-                <a:rPr lang="ko-KR" altLang="en-US" sz="4800" dirty="0" smtClean="0">
+                <a:rPr lang="ko-KR" altLang="en-US" sz="4800" dirty="0">
                   <a:solidFill>
                     <a:schemeClr val="bg1"/>
                   </a:solidFill>
                   <a:latin typeface="나눔스퀘어 Bold" panose="020B0600000101010101" pitchFamily="50" charset="-127"/>
                   <a:ea typeface="나눔스퀘어 Bold" panose="020B0600000101010101" pitchFamily="50" charset="-127"/>
                 </a:rPr>
-                <a:t>뮤지컬 티켓 예매 프로그램</a:t>
+                <a:t>뮤지컬</a:t>
               </a:r>
-              <a:endParaRPr lang="ko-KR" altLang="en-US" sz="4800" dirty="0">
+              <a:endParaRPr lang="en-US" altLang="ko-KR" sz="4800" dirty="0">
                 <a:solidFill>
                   <a:schemeClr val="bg1"/>
                 </a:solidFill>
                 <a:latin typeface="나눔스퀘어 Bold" panose="020B0600000101010101" pitchFamily="50" charset="-127"/>
                 <a:ea typeface="나눔스퀘어 Bold" panose="020B0600000101010101" pitchFamily="50" charset="-127"/>
               </a:endParaRPr>
+            </a:p>
+            <a:p>
+              <a:pPr algn="ctr"/>
+              <a:r>
+                <a:rPr lang="ko-KR" altLang="en-US" sz="4800" dirty="0">
+                  <a:solidFill>
+                    <a:schemeClr val="bg1"/>
+                  </a:solidFill>
+                  <a:latin typeface="나눔스퀘어 Bold" panose="020B0600000101010101" pitchFamily="50" charset="-127"/>
+                  <a:ea typeface="나눔스퀘어 Bold" panose="020B0600000101010101" pitchFamily="50" charset="-127"/>
+                </a:rPr>
+                <a:t>티켓 예매 프로그램</a:t>
+              </a:r>
             </a:p>
           </p:txBody>
         </p:sp>
@@ -3083,8 +3076,8 @@
           </p:nvSpPr>
           <p:spPr>
             <a:xfrm>
-              <a:off x="3311236" y="3378401"/>
-              <a:ext cx="5569528" cy="461665"/>
+              <a:off x="4338082" y="3793702"/>
+              <a:ext cx="5569528" cy="461666"/>
             </a:xfrm>
             <a:prstGeom prst="rect">
               <a:avLst/>
@@ -3099,7 +3092,7 @@
             <a:p>
               <a:pPr algn="ctr"/>
               <a:r>
-                <a:rPr lang="ko-KR" altLang="en-US" sz="2400" dirty="0" err="1" smtClean="0">
+                <a:rPr lang="ko-KR" altLang="en-US" sz="2400" dirty="0" err="1">
                   <a:latin typeface="나눔스퀘어 Bold" panose="020B0600000101010101" pitchFamily="50" charset="-127"/>
                   <a:ea typeface="나눔스퀘어 Bold" panose="020B0600000101010101" pitchFamily="50" charset="-127"/>
                 </a:rPr>
@@ -3170,7 +3163,7 @@
         <p:spPr>
           <a:xfrm>
             <a:off x="123305" y="95856"/>
-            <a:ext cx="11945390" cy="3447737"/>
+            <a:ext cx="11945390" cy="3828273"/>
           </a:xfrm>
           <a:prstGeom prst="rect">
             <a:avLst/>
@@ -3403,7 +3396,7 @@
           <a:p>
             <a:pPr algn="ctr"/>
             <a:r>
-              <a:rPr lang="ko-KR" altLang="en-US" sz="3600" dirty="0" smtClean="0">
+              <a:rPr lang="ko-KR" altLang="en-US" sz="3600" dirty="0">
                 <a:solidFill>
                   <a:schemeClr val="bg1"/>
                 </a:solidFill>
@@ -3412,13 +3405,6 @@
               </a:rPr>
               <a:t>뮤지컬 티켓 예매 프로그램</a:t>
             </a:r>
-            <a:endParaRPr lang="ko-KR" altLang="en-US" sz="3600" dirty="0">
-              <a:solidFill>
-                <a:schemeClr val="bg1"/>
-              </a:solidFill>
-              <a:latin typeface="나눔스퀘어 Bold" panose="020B0600000101010101" pitchFamily="50" charset="-127"/>
-              <a:ea typeface="나눔스퀘어 Bold" panose="020B0600000101010101" pitchFamily="50" charset="-127"/>
-            </a:endParaRPr>
           </a:p>
         </p:txBody>
       </p:sp>
@@ -3430,8 +3416,8 @@
         </p:nvSpPr>
         <p:spPr>
           <a:xfrm>
-            <a:off x="3248891" y="1878677"/>
-            <a:ext cx="5694219" cy="923330"/>
+            <a:off x="1784378" y="1964115"/>
+            <a:ext cx="8623243" cy="1128963"/>
           </a:xfrm>
           <a:prstGeom prst="rect">
             <a:avLst/>
@@ -3452,76 +3438,76 @@
               <a:buChar char="ü"/>
             </a:pPr>
             <a:r>
-              <a:rPr lang="ko-KR" altLang="en-US" dirty="0" smtClean="0">
+              <a:rPr lang="ko-KR" altLang="en-US" sz="2400" dirty="0">
                 <a:latin typeface="나눔스퀘어" panose="020B0600000101010101" pitchFamily="50" charset="-127"/>
                 <a:ea typeface="나눔스퀘어" panose="020B0600000101010101" pitchFamily="50" charset="-127"/>
               </a:rPr>
               <a:t>유저 </a:t>
             </a:r>
             <a:r>
-              <a:rPr lang="en-US" altLang="ko-KR" dirty="0" smtClean="0">
+              <a:rPr lang="en-US" altLang="ko-KR" sz="2400" dirty="0">
                 <a:latin typeface="나눔스퀘어" panose="020B0600000101010101" pitchFamily="50" charset="-127"/>
                 <a:ea typeface="나눔스퀘어" panose="020B0600000101010101" pitchFamily="50" charset="-127"/>
               </a:rPr>
               <a:t>: </a:t>
             </a:r>
             <a:r>
-              <a:rPr lang="ko-KR" altLang="en-US" dirty="0" smtClean="0">
+              <a:rPr lang="ko-KR" altLang="en-US" sz="2400" dirty="0">
                 <a:latin typeface="나눔스퀘어" panose="020B0600000101010101" pitchFamily="50" charset="-127"/>
                 <a:ea typeface="나눔스퀘어" panose="020B0600000101010101" pitchFamily="50" charset="-127"/>
               </a:rPr>
-              <a:t>뮤지컬 목록 확인</a:t>
-            </a:r>
-            <a:r>
-              <a:rPr lang="en-US" altLang="ko-KR" dirty="0" smtClean="0">
+              <a:t>뮤지컬 리스트 확인</a:t>
+            </a:r>
+            <a:r>
+              <a:rPr lang="en-US" altLang="ko-KR" sz="2400" dirty="0">
                 <a:latin typeface="나눔스퀘어" panose="020B0600000101010101" pitchFamily="50" charset="-127"/>
                 <a:ea typeface="나눔스퀘어" panose="020B0600000101010101" pitchFamily="50" charset="-127"/>
               </a:rPr>
               <a:t>, </a:t>
             </a:r>
             <a:r>
-              <a:rPr lang="ko-KR" altLang="en-US" dirty="0" smtClean="0">
+              <a:rPr lang="ko-KR" altLang="en-US" sz="2400" dirty="0">
                 <a:latin typeface="나눔스퀘어" panose="020B0600000101010101" pitchFamily="50" charset="-127"/>
                 <a:ea typeface="나눔스퀘어" panose="020B0600000101010101" pitchFamily="50" charset="-127"/>
               </a:rPr>
               <a:t>예매</a:t>
             </a:r>
             <a:r>
-              <a:rPr lang="en-US" altLang="ko-KR" dirty="0" smtClean="0">
+              <a:rPr lang="en-US" altLang="ko-KR" sz="2400" dirty="0">
                 <a:latin typeface="나눔스퀘어" panose="020B0600000101010101" pitchFamily="50" charset="-127"/>
                 <a:ea typeface="나눔스퀘어" panose="020B0600000101010101" pitchFamily="50" charset="-127"/>
               </a:rPr>
               <a:t>, </a:t>
             </a:r>
             <a:r>
-              <a:rPr lang="ko-KR" altLang="en-US" dirty="0" err="1" smtClean="0">
+              <a:rPr lang="ko-KR" altLang="en-US" sz="2400" dirty="0" err="1">
                 <a:latin typeface="나눔스퀘어" panose="020B0600000101010101" pitchFamily="50" charset="-127"/>
                 <a:ea typeface="나눔스퀘어" panose="020B0600000101010101" pitchFamily="50" charset="-127"/>
               </a:rPr>
               <a:t>예매내역</a:t>
             </a:r>
             <a:r>
-              <a:rPr lang="ko-KR" altLang="en-US" dirty="0" smtClean="0">
+              <a:rPr lang="ko-KR" altLang="en-US" sz="2400" dirty="0">
                 <a:latin typeface="나눔스퀘어" panose="020B0600000101010101" pitchFamily="50" charset="-127"/>
                 <a:ea typeface="나눔스퀘어" panose="020B0600000101010101" pitchFamily="50" charset="-127"/>
               </a:rPr>
               <a:t> 확인</a:t>
             </a:r>
             <a:r>
-              <a:rPr lang="en-US" altLang="ko-KR" dirty="0" smtClean="0">
+              <a:rPr lang="en-US" altLang="ko-KR" sz="2400" dirty="0">
                 <a:latin typeface="나눔스퀘어" panose="020B0600000101010101" pitchFamily="50" charset="-127"/>
                 <a:ea typeface="나눔스퀘어" panose="020B0600000101010101" pitchFamily="50" charset="-127"/>
               </a:rPr>
               <a:t>, </a:t>
             </a:r>
             <a:r>
-              <a:rPr lang="ko-KR" altLang="en-US" dirty="0" smtClean="0">
+              <a:rPr lang="ko-KR" altLang="en-US" sz="2400" dirty="0">
                 <a:latin typeface="나눔스퀘어" panose="020B0600000101010101" pitchFamily="50" charset="-127"/>
                 <a:ea typeface="나눔스퀘어" panose="020B0600000101010101" pitchFamily="50" charset="-127"/>
               </a:rPr>
               <a:t>예매 취소</a:t>
             </a:r>
-            <a:endParaRPr lang="en-US" altLang="ko-KR" dirty="0" smtClean="0">
+            <a:endParaRPr lang="en-US" altLang="ko-KR" sz="2400" dirty="0">
               <a:latin typeface="나눔스퀘어" panose="020B0600000101010101" pitchFamily="50" charset="-127"/>
               <a:ea typeface="나눔스퀘어" panose="020B0600000101010101" pitchFamily="50" charset="-127"/>
             </a:endParaRPr>
@@ -3535,69 +3521,69 @@
               <a:buChar char="ü"/>
             </a:pPr>
             <a:r>
-              <a:rPr lang="ko-KR" altLang="en-US" dirty="0" smtClean="0">
+              <a:rPr lang="ko-KR" altLang="en-US" sz="2400" dirty="0">
                 <a:latin typeface="나눔스퀘어" panose="020B0600000101010101" pitchFamily="50" charset="-127"/>
                 <a:ea typeface="나눔스퀘어" panose="020B0600000101010101" pitchFamily="50" charset="-127"/>
               </a:rPr>
               <a:t>관리자 </a:t>
             </a:r>
             <a:r>
-              <a:rPr lang="en-US" altLang="ko-KR" dirty="0" smtClean="0">
+              <a:rPr lang="en-US" altLang="ko-KR" sz="2400" dirty="0">
                 <a:latin typeface="나눔스퀘어" panose="020B0600000101010101" pitchFamily="50" charset="-127"/>
                 <a:ea typeface="나눔스퀘어" panose="020B0600000101010101" pitchFamily="50" charset="-127"/>
               </a:rPr>
               <a:t>: </a:t>
             </a:r>
             <a:r>
-              <a:rPr lang="ko-KR" altLang="en-US" dirty="0" smtClean="0">
+              <a:rPr lang="ko-KR" altLang="en-US" sz="2400" dirty="0">
                 <a:latin typeface="나눔스퀘어" panose="020B0600000101010101" pitchFamily="50" charset="-127"/>
                 <a:ea typeface="나눔스퀘어" panose="020B0600000101010101" pitchFamily="50" charset="-127"/>
               </a:rPr>
               <a:t>전체 뮤지컬 목록 관리</a:t>
             </a:r>
             <a:r>
-              <a:rPr lang="en-US" altLang="ko-KR" dirty="0" smtClean="0">
+              <a:rPr lang="en-US" altLang="ko-KR" sz="2400" dirty="0">
                 <a:latin typeface="나눔스퀘어" panose="020B0600000101010101" pitchFamily="50" charset="-127"/>
                 <a:ea typeface="나눔스퀘어" panose="020B0600000101010101" pitchFamily="50" charset="-127"/>
               </a:rPr>
               <a:t>(</a:t>
             </a:r>
             <a:r>
-              <a:rPr lang="ko-KR" altLang="en-US" dirty="0" smtClean="0">
+              <a:rPr lang="ko-KR" altLang="en-US" sz="2400" dirty="0">
                 <a:latin typeface="나눔스퀘어" panose="020B0600000101010101" pitchFamily="50" charset="-127"/>
                 <a:ea typeface="나눔스퀘어" panose="020B0600000101010101" pitchFamily="50" charset="-127"/>
               </a:rPr>
               <a:t>추가</a:t>
             </a:r>
             <a:r>
-              <a:rPr lang="en-US" altLang="ko-KR" dirty="0" smtClean="0">
+              <a:rPr lang="en-US" altLang="ko-KR" sz="2400" dirty="0">
                 <a:latin typeface="나눔스퀘어" panose="020B0600000101010101" pitchFamily="50" charset="-127"/>
                 <a:ea typeface="나눔스퀘어" panose="020B0600000101010101" pitchFamily="50" charset="-127"/>
               </a:rPr>
               <a:t>/</a:t>
             </a:r>
             <a:r>
-              <a:rPr lang="ko-KR" altLang="en-US" dirty="0" smtClean="0">
+              <a:rPr lang="ko-KR" altLang="en-US" sz="2400" dirty="0">
                 <a:latin typeface="나눔스퀘어" panose="020B0600000101010101" pitchFamily="50" charset="-127"/>
                 <a:ea typeface="나눔스퀘어" panose="020B0600000101010101" pitchFamily="50" charset="-127"/>
               </a:rPr>
               <a:t>삭제</a:t>
             </a:r>
             <a:r>
-              <a:rPr lang="en-US" altLang="ko-KR" dirty="0" smtClean="0">
+              <a:rPr lang="en-US" altLang="ko-KR" sz="2400" dirty="0">
                 <a:latin typeface="나눔스퀘어" panose="020B0600000101010101" pitchFamily="50" charset="-127"/>
                 <a:ea typeface="나눔스퀘어" panose="020B0600000101010101" pitchFamily="50" charset="-127"/>
               </a:rPr>
               <a:t>), </a:t>
             </a:r>
             <a:r>
-              <a:rPr lang="ko-KR" altLang="en-US" dirty="0" err="1" smtClean="0">
+              <a:rPr lang="ko-KR" altLang="en-US" sz="2400" dirty="0" err="1">
                 <a:latin typeface="나눔스퀘어" panose="020B0600000101010101" pitchFamily="50" charset="-127"/>
                 <a:ea typeface="나눔스퀘어" panose="020B0600000101010101" pitchFamily="50" charset="-127"/>
               </a:rPr>
               <a:t>예매확인</a:t>
             </a:r>
-            <a:endParaRPr lang="ko-KR" altLang="en-US" dirty="0">
+            <a:endParaRPr lang="ko-KR" altLang="en-US" sz="2400" dirty="0">
               <a:latin typeface="나눔스퀘어" panose="020B0600000101010101" pitchFamily="50" charset="-127"/>
               <a:ea typeface="나눔스퀘어" panose="020B0600000101010101" pitchFamily="50" charset="-127"/>
             </a:endParaRPr>
@@ -3608,6 +3594,357 @@
     <p:extLst>
       <p:ext uri="{BB962C8B-B14F-4D97-AF65-F5344CB8AC3E}">
         <p14:creationId xmlns:p14="http://schemas.microsoft.com/office/powerpoint/2010/main" val="3614833946"/>
+      </p:ext>
+    </p:extLst>
+  </p:cSld>
+  <p:clrMapOvr>
+    <a:masterClrMapping/>
+  </p:clrMapOvr>
+</p:sld>
+</file>
+
+<file path=ppt/slides/slide3.xml><?xml version="1.0" encoding="utf-8"?>
+<p:sld xmlns:a="http://schemas.openxmlformats.org/drawingml/2006/main" xmlns:r="http://schemas.openxmlformats.org/officeDocument/2006/relationships" xmlns:p="http://schemas.openxmlformats.org/presentationml/2006/main">
+  <p:cSld>
+    <p:spTree>
+      <p:nvGrpSpPr>
+        <p:cNvPr id="1" name="">
+          <a:extLst>
+            <a:ext uri="{FF2B5EF4-FFF2-40B4-BE49-F238E27FC236}">
+              <a16:creationId xmlns:a16="http://schemas.microsoft.com/office/drawing/2014/main" id="{8A37F676-9E1F-006F-E7EA-644B2224AEED}"/>
+            </a:ext>
+          </a:extLst>
+        </p:cNvPr>
+        <p:cNvGrpSpPr/>
+        <p:nvPr/>
+      </p:nvGrpSpPr>
+      <p:grpSpPr>
+        <a:xfrm>
+          <a:off x="0" y="0"/>
+          <a:ext cx="0" cy="0"/>
+          <a:chOff x="0" y="0"/>
+          <a:chExt cx="0" cy="0"/>
+        </a:xfrm>
+      </p:grpSpPr>
+      <p:sp>
+        <p:nvSpPr>
+          <p:cNvPr id="4" name="직사각형 3">
+            <a:extLst>
+              <a:ext uri="{FF2B5EF4-FFF2-40B4-BE49-F238E27FC236}">
+                <a16:creationId xmlns:a16="http://schemas.microsoft.com/office/drawing/2014/main" id="{7DB542C1-551A-955A-3C0D-5C1F792DCE7E}"/>
+              </a:ext>
+            </a:extLst>
+          </p:cNvPr>
+          <p:cNvSpPr/>
+          <p:nvPr/>
+        </p:nvSpPr>
+        <p:spPr>
+          <a:xfrm>
+            <a:off x="0" y="1"/>
+            <a:ext cx="12192000" cy="1305098"/>
+          </a:xfrm>
+          <a:prstGeom prst="rect">
+            <a:avLst/>
+          </a:prstGeom>
+          <a:solidFill>
+            <a:schemeClr val="accent5">
+              <a:lumMod val="75000"/>
+            </a:schemeClr>
+          </a:solidFill>
+          <a:ln>
+            <a:noFill/>
+          </a:ln>
+        </p:spPr>
+        <p:style>
+          <a:lnRef idx="2">
+            <a:schemeClr val="accent1">
+              <a:shade val="50000"/>
+            </a:schemeClr>
+          </a:lnRef>
+          <a:fillRef idx="1">
+            <a:schemeClr val="accent1"/>
+          </a:fillRef>
+          <a:effectRef idx="0">
+            <a:schemeClr val="accent1"/>
+          </a:effectRef>
+          <a:fontRef idx="minor">
+            <a:schemeClr val="lt1"/>
+          </a:fontRef>
+        </p:style>
+        <p:txBody>
+          <a:bodyPr rtlCol="0" anchor="ctr"/>
+          <a:lstStyle/>
+          <a:p>
+            <a:pPr algn="ctr"/>
+            <a:endParaRPr lang="ko-KR" altLang="en-US"/>
+          </a:p>
+        </p:txBody>
+      </p:sp>
+      <p:sp>
+        <p:nvSpPr>
+          <p:cNvPr id="5" name="직사각형 4">
+            <a:extLst>
+              <a:ext uri="{FF2B5EF4-FFF2-40B4-BE49-F238E27FC236}">
+                <a16:creationId xmlns:a16="http://schemas.microsoft.com/office/drawing/2014/main" id="{FB7816EE-B800-7D6D-C274-A483FADDE2CF}"/>
+              </a:ext>
+            </a:extLst>
+          </p:cNvPr>
+          <p:cNvSpPr/>
+          <p:nvPr/>
+        </p:nvSpPr>
+        <p:spPr>
+          <a:xfrm>
+            <a:off x="123305" y="95856"/>
+            <a:ext cx="11945390" cy="6666288"/>
+          </a:xfrm>
+          <a:prstGeom prst="rect">
+            <a:avLst/>
+          </a:prstGeom>
+          <a:noFill/>
+          <a:ln>
+            <a:solidFill>
+              <a:schemeClr val="accent5">
+                <a:lumMod val="75000"/>
+              </a:schemeClr>
+            </a:solidFill>
+          </a:ln>
+        </p:spPr>
+        <p:style>
+          <a:lnRef idx="2">
+            <a:schemeClr val="accent1">
+              <a:shade val="50000"/>
+            </a:schemeClr>
+          </a:lnRef>
+          <a:fillRef idx="1">
+            <a:schemeClr val="accent1"/>
+          </a:fillRef>
+          <a:effectRef idx="0">
+            <a:schemeClr val="accent1"/>
+          </a:effectRef>
+          <a:fontRef idx="minor">
+            <a:schemeClr val="lt1"/>
+          </a:fontRef>
+        </p:style>
+        <p:txBody>
+          <a:bodyPr rtlCol="0" anchor="ctr"/>
+          <a:lstStyle/>
+          <a:p>
+            <a:pPr algn="ctr"/>
+            <a:endParaRPr lang="ko-KR" altLang="en-US"/>
+          </a:p>
+        </p:txBody>
+      </p:sp>
+      <p:sp>
+        <p:nvSpPr>
+          <p:cNvPr id="6" name="직사각형 5">
+            <a:extLst>
+              <a:ext uri="{FF2B5EF4-FFF2-40B4-BE49-F238E27FC236}">
+                <a16:creationId xmlns:a16="http://schemas.microsoft.com/office/drawing/2014/main" id="{0833345E-738A-BC6A-AEF2-FCDD4BE36C77}"/>
+              </a:ext>
+            </a:extLst>
+          </p:cNvPr>
+          <p:cNvSpPr/>
+          <p:nvPr/>
+        </p:nvSpPr>
+        <p:spPr>
+          <a:xfrm>
+            <a:off x="123305" y="95856"/>
+            <a:ext cx="11945390" cy="1209243"/>
+          </a:xfrm>
+          <a:prstGeom prst="rect">
+            <a:avLst/>
+          </a:prstGeom>
+          <a:noFill/>
+          <a:ln>
+            <a:solidFill>
+              <a:schemeClr val="bg1"/>
+            </a:solidFill>
+          </a:ln>
+        </p:spPr>
+        <p:style>
+          <a:lnRef idx="2">
+            <a:schemeClr val="accent1">
+              <a:shade val="50000"/>
+            </a:schemeClr>
+          </a:lnRef>
+          <a:fillRef idx="1">
+            <a:schemeClr val="accent1"/>
+          </a:fillRef>
+          <a:effectRef idx="0">
+            <a:schemeClr val="accent1"/>
+          </a:effectRef>
+          <a:fontRef idx="minor">
+            <a:schemeClr val="lt1"/>
+          </a:fontRef>
+        </p:style>
+        <p:txBody>
+          <a:bodyPr rtlCol="0" anchor="ctr"/>
+          <a:lstStyle/>
+          <a:p>
+            <a:pPr algn="ctr"/>
+            <a:endParaRPr lang="ko-KR" altLang="en-US"/>
+          </a:p>
+        </p:txBody>
+      </p:sp>
+      <p:sp>
+        <p:nvSpPr>
+          <p:cNvPr id="7" name="TextBox 6">
+            <a:extLst>
+              <a:ext uri="{FF2B5EF4-FFF2-40B4-BE49-F238E27FC236}">
+                <a16:creationId xmlns:a16="http://schemas.microsoft.com/office/drawing/2014/main" id="{A5598CF5-DA2A-D3D3-D167-BD6F99727CE2}"/>
+              </a:ext>
+            </a:extLst>
+          </p:cNvPr>
+          <p:cNvSpPr txBox="1"/>
+          <p:nvPr/>
+        </p:nvSpPr>
+        <p:spPr>
+          <a:xfrm>
+            <a:off x="2286000" y="377311"/>
+            <a:ext cx="7620000" cy="646331"/>
+          </a:xfrm>
+          <a:prstGeom prst="rect">
+            <a:avLst/>
+          </a:prstGeom>
+          <a:noFill/>
+        </p:spPr>
+        <p:txBody>
+          <a:bodyPr wrap="square" rtlCol="0">
+            <a:spAutoFit/>
+          </a:bodyPr>
+          <a:lstStyle/>
+          <a:p>
+            <a:pPr algn="ctr"/>
+            <a:r>
+              <a:rPr lang="ko-KR" altLang="en-US" sz="3600" dirty="0">
+                <a:solidFill>
+                  <a:schemeClr val="bg1"/>
+                </a:solidFill>
+                <a:latin typeface="나눔스퀘어 Bold" panose="020B0600000101010101" pitchFamily="50" charset="-127"/>
+                <a:ea typeface="나눔스퀘어 Bold" panose="020B0600000101010101" pitchFamily="50" charset="-127"/>
+              </a:rPr>
+              <a:t>클래스 구성</a:t>
+            </a:r>
+          </a:p>
+        </p:txBody>
+      </p:sp>
+      <p:sp>
+        <p:nvSpPr>
+          <p:cNvPr id="8" name="TextBox 7">
+            <a:extLst>
+              <a:ext uri="{FF2B5EF4-FFF2-40B4-BE49-F238E27FC236}">
+                <a16:creationId xmlns:a16="http://schemas.microsoft.com/office/drawing/2014/main" id="{8964093A-CB0E-4DCD-93DA-E60441F40E52}"/>
+              </a:ext>
+            </a:extLst>
+          </p:cNvPr>
+          <p:cNvSpPr txBox="1"/>
+          <p:nvPr/>
+        </p:nvSpPr>
+        <p:spPr>
+          <a:xfrm>
+            <a:off x="1784378" y="1964115"/>
+            <a:ext cx="8623243" cy="1682961"/>
+          </a:xfrm>
+          <a:prstGeom prst="rect">
+            <a:avLst/>
+          </a:prstGeom>
+          <a:noFill/>
+        </p:spPr>
+        <p:txBody>
+          <a:bodyPr wrap="square" rtlCol="0">
+            <a:spAutoFit/>
+          </a:bodyPr>
+          <a:lstStyle/>
+          <a:p>
+            <a:pPr marL="285750" indent="-285750">
+              <a:lnSpc>
+                <a:spcPct val="150000"/>
+              </a:lnSpc>
+              <a:buFont typeface="Wingdings" panose="05000000000000000000" pitchFamily="2" charset="2"/>
+              <a:buChar char="ü"/>
+            </a:pPr>
+            <a:r>
+              <a:rPr lang="en-US" altLang="ko-KR" sz="2400" dirty="0">
+                <a:latin typeface="나눔스퀘어" panose="020B0600000101010101" pitchFamily="50" charset="-127"/>
+                <a:ea typeface="나눔스퀘어" panose="020B0600000101010101" pitchFamily="50" charset="-127"/>
+              </a:rPr>
+              <a:t>Main : </a:t>
+            </a:r>
+            <a:r>
+              <a:rPr lang="ko-KR" altLang="en-US" sz="2400" dirty="0">
+                <a:latin typeface="나눔스퀘어" panose="020B0600000101010101" pitchFamily="50" charset="-127"/>
+                <a:ea typeface="나눔스퀘어" panose="020B0600000101010101" pitchFamily="50" charset="-127"/>
+              </a:rPr>
+              <a:t>프로그램 실행</a:t>
+            </a:r>
+            <a:endParaRPr lang="en-US" altLang="ko-KR" sz="2400" dirty="0">
+              <a:latin typeface="나눔스퀘어" panose="020B0600000101010101" pitchFamily="50" charset="-127"/>
+              <a:ea typeface="나눔스퀘어" panose="020B0600000101010101" pitchFamily="50" charset="-127"/>
+            </a:endParaRPr>
+          </a:p>
+          <a:p>
+            <a:pPr marL="285750" indent="-285750">
+              <a:lnSpc>
+                <a:spcPct val="150000"/>
+              </a:lnSpc>
+              <a:buFont typeface="Wingdings" panose="05000000000000000000" pitchFamily="2" charset="2"/>
+              <a:buChar char="ü"/>
+            </a:pPr>
+            <a:r>
+              <a:rPr lang="en-US" altLang="ko-KR" sz="2400" dirty="0">
+                <a:latin typeface="나눔스퀘어" panose="020B0600000101010101" pitchFamily="50" charset="-127"/>
+                <a:ea typeface="나눔스퀘어" panose="020B0600000101010101" pitchFamily="50" charset="-127"/>
+              </a:rPr>
+              <a:t>Ticket : </a:t>
+            </a:r>
+            <a:r>
+              <a:rPr lang="ko-KR" altLang="en-US" sz="2400" dirty="0">
+                <a:latin typeface="나눔스퀘어" panose="020B0600000101010101" pitchFamily="50" charset="-127"/>
+                <a:ea typeface="나눔스퀘어" panose="020B0600000101010101" pitchFamily="50" charset="-127"/>
+              </a:rPr>
+              <a:t>들어가는 요소들</a:t>
+            </a:r>
+            <a:endParaRPr lang="en-US" altLang="ko-KR" sz="2400" dirty="0">
+              <a:latin typeface="나눔스퀘어" panose="020B0600000101010101" pitchFamily="50" charset="-127"/>
+              <a:ea typeface="나눔스퀘어" panose="020B0600000101010101" pitchFamily="50" charset="-127"/>
+            </a:endParaRPr>
+          </a:p>
+          <a:p>
+            <a:pPr marL="285750" indent="-285750">
+              <a:lnSpc>
+                <a:spcPct val="150000"/>
+              </a:lnSpc>
+              <a:buFont typeface="Wingdings" panose="05000000000000000000" pitchFamily="2" charset="2"/>
+              <a:buChar char="ü"/>
+            </a:pPr>
+            <a:r>
+              <a:rPr lang="en-US" altLang="ko-KR" sz="2400" dirty="0" err="1">
+                <a:latin typeface="나눔스퀘어" panose="020B0600000101010101" pitchFamily="50" charset="-127"/>
+                <a:ea typeface="나눔스퀘어" panose="020B0600000101010101" pitchFamily="50" charset="-127"/>
+              </a:rPr>
+              <a:t>TicketManager</a:t>
+            </a:r>
+            <a:r>
+              <a:rPr lang="en-US" altLang="ko-KR" sz="2400" dirty="0">
+                <a:latin typeface="나눔스퀘어" panose="020B0600000101010101" pitchFamily="50" charset="-127"/>
+                <a:ea typeface="나눔스퀘어" panose="020B0600000101010101" pitchFamily="50" charset="-127"/>
+              </a:rPr>
+              <a:t> : </a:t>
+            </a:r>
+            <a:r>
+              <a:rPr lang="ko-KR" altLang="en-US" sz="2400" dirty="0">
+                <a:latin typeface="나눔스퀘어" panose="020B0600000101010101" pitchFamily="50" charset="-127"/>
+                <a:ea typeface="나눔스퀘어" panose="020B0600000101010101" pitchFamily="50" charset="-127"/>
+              </a:rPr>
+              <a:t>관리자모드</a:t>
+            </a:r>
+          </a:p>
+        </p:txBody>
+      </p:sp>
+    </p:spTree>
+    <p:extLst>
+      <p:ext uri="{BB962C8B-B14F-4D97-AF65-F5344CB8AC3E}">
+        <p14:creationId xmlns:p14="http://schemas.microsoft.com/office/powerpoint/2010/main" val="2989220261"/>
       </p:ext>
     </p:extLst>
   </p:cSld>

--- a/vsjava/java/bin/project1/뮤지컬티켓예매프로그램.pptx
+++ b/vsjava/java/bin/project1/뮤지컬티켓예매프로그램.pptx
@@ -8,6 +8,7 @@
     <p:sldId id="256" r:id="rId2"/>
     <p:sldId id="257" r:id="rId3"/>
     <p:sldId id="258" r:id="rId4"/>
+    <p:sldId id="259" r:id="rId5"/>
   </p:sldIdLst>
   <p:sldSz cx="12192000" cy="6858000"/>
   <p:notesSz cx="6858000" cy="9144000"/>
@@ -243,7 +244,7 @@
           <a:p>
             <a:fld id="{FD679319-BB7B-4B7D-8C38-41D5CE42AA71}" type="datetimeFigureOut">
               <a:rPr lang="ko-KR" altLang="en-US" smtClean="0"/>
-              <a:t>12-08(Sun)</a:t>
+              <a:t>2024-12-13</a:t>
             </a:fld>
             <a:endParaRPr lang="ko-KR" altLang="en-US"/>
           </a:p>
@@ -411,7 +412,7 @@
           <a:p>
             <a:fld id="{FD679319-BB7B-4B7D-8C38-41D5CE42AA71}" type="datetimeFigureOut">
               <a:rPr lang="ko-KR" altLang="en-US" smtClean="0"/>
-              <a:t>12-08(Sun)</a:t>
+              <a:t>2024-12-13</a:t>
             </a:fld>
             <a:endParaRPr lang="ko-KR" altLang="en-US"/>
           </a:p>
@@ -589,7 +590,7 @@
           <a:p>
             <a:fld id="{FD679319-BB7B-4B7D-8C38-41D5CE42AA71}" type="datetimeFigureOut">
               <a:rPr lang="ko-KR" altLang="en-US" smtClean="0"/>
-              <a:t>12-08(Sun)</a:t>
+              <a:t>2024-12-13</a:t>
             </a:fld>
             <a:endParaRPr lang="ko-KR" altLang="en-US"/>
           </a:p>
@@ -757,7 +758,7 @@
           <a:p>
             <a:fld id="{FD679319-BB7B-4B7D-8C38-41D5CE42AA71}" type="datetimeFigureOut">
               <a:rPr lang="ko-KR" altLang="en-US" smtClean="0"/>
-              <a:t>12-08(Sun)</a:t>
+              <a:t>2024-12-13</a:t>
             </a:fld>
             <a:endParaRPr lang="ko-KR" altLang="en-US"/>
           </a:p>
@@ -1002,7 +1003,7 @@
           <a:p>
             <a:fld id="{FD679319-BB7B-4B7D-8C38-41D5CE42AA71}" type="datetimeFigureOut">
               <a:rPr lang="ko-KR" altLang="en-US" smtClean="0"/>
-              <a:t>12-08(Sun)</a:t>
+              <a:t>2024-12-13</a:t>
             </a:fld>
             <a:endParaRPr lang="ko-KR" altLang="en-US"/>
           </a:p>
@@ -1231,7 +1232,7 @@
           <a:p>
             <a:fld id="{FD679319-BB7B-4B7D-8C38-41D5CE42AA71}" type="datetimeFigureOut">
               <a:rPr lang="ko-KR" altLang="en-US" smtClean="0"/>
-              <a:t>12-08(Sun)</a:t>
+              <a:t>2024-12-13</a:t>
             </a:fld>
             <a:endParaRPr lang="ko-KR" altLang="en-US"/>
           </a:p>
@@ -1595,7 +1596,7 @@
           <a:p>
             <a:fld id="{FD679319-BB7B-4B7D-8C38-41D5CE42AA71}" type="datetimeFigureOut">
               <a:rPr lang="ko-KR" altLang="en-US" smtClean="0"/>
-              <a:t>12-08(Sun)</a:t>
+              <a:t>2024-12-13</a:t>
             </a:fld>
             <a:endParaRPr lang="ko-KR" altLang="en-US"/>
           </a:p>
@@ -1712,7 +1713,7 @@
           <a:p>
             <a:fld id="{FD679319-BB7B-4B7D-8C38-41D5CE42AA71}" type="datetimeFigureOut">
               <a:rPr lang="ko-KR" altLang="en-US" smtClean="0"/>
-              <a:t>12-08(Sun)</a:t>
+              <a:t>2024-12-13</a:t>
             </a:fld>
             <a:endParaRPr lang="ko-KR" altLang="en-US"/>
           </a:p>
@@ -1807,7 +1808,7 @@
           <a:p>
             <a:fld id="{FD679319-BB7B-4B7D-8C38-41D5CE42AA71}" type="datetimeFigureOut">
               <a:rPr lang="ko-KR" altLang="en-US" smtClean="0"/>
-              <a:t>12-08(Sun)</a:t>
+              <a:t>2024-12-13</a:t>
             </a:fld>
             <a:endParaRPr lang="ko-KR" altLang="en-US"/>
           </a:p>
@@ -2082,7 +2083,7 @@
           <a:p>
             <a:fld id="{FD679319-BB7B-4B7D-8C38-41D5CE42AA71}" type="datetimeFigureOut">
               <a:rPr lang="ko-KR" altLang="en-US" smtClean="0"/>
-              <a:t>12-08(Sun)</a:t>
+              <a:t>2024-12-13</a:t>
             </a:fld>
             <a:endParaRPr lang="ko-KR" altLang="en-US"/>
           </a:p>
@@ -2334,7 +2335,7 @@
           <a:p>
             <a:fld id="{FD679319-BB7B-4B7D-8C38-41D5CE42AA71}" type="datetimeFigureOut">
               <a:rPr lang="ko-KR" altLang="en-US" smtClean="0"/>
-              <a:t>12-08(Sun)</a:t>
+              <a:t>2024-12-13</a:t>
             </a:fld>
             <a:endParaRPr lang="ko-KR" altLang="en-US"/>
           </a:p>
@@ -2545,7 +2546,7 @@
           <a:p>
             <a:fld id="{FD679319-BB7B-4B7D-8C38-41D5CE42AA71}" type="datetimeFigureOut">
               <a:rPr lang="ko-KR" altLang="en-US" smtClean="0"/>
-              <a:t>12-08(Sun)</a:t>
+              <a:t>2024-12-13</a:t>
             </a:fld>
             <a:endParaRPr lang="ko-KR" altLang="en-US"/>
           </a:p>
@@ -2958,8 +2959,8 @@
         </p:nvSpPr>
         <p:spPr>
           <a:xfrm>
-            <a:off x="0" y="0"/>
-            <a:ext cx="12192000" cy="3924129"/>
+            <a:off x="0" y="-1"/>
+            <a:ext cx="12192000" cy="6076005"/>
           </a:xfrm>
           <a:prstGeom prst="rect">
             <a:avLst/>
@@ -3006,10 +3007,10 @@
         </p:nvGrpSpPr>
         <p:grpSpPr>
           <a:xfrm>
-            <a:off x="60483" y="2330620"/>
-            <a:ext cx="12071037" cy="1975560"/>
-            <a:chOff x="4338082" y="1504548"/>
-            <a:chExt cx="5569528" cy="2750820"/>
+            <a:off x="60483" y="4368594"/>
+            <a:ext cx="12071037" cy="2113309"/>
+            <a:chOff x="4338082" y="1312742"/>
+            <a:chExt cx="5569528" cy="2942626"/>
           </a:xfrm>
         </p:grpSpPr>
         <p:sp>
@@ -3020,8 +3021,8 @@
           </p:nvSpPr>
           <p:spPr>
             <a:xfrm>
-              <a:off x="4338082" y="1504548"/>
-              <a:ext cx="5569528" cy="2185634"/>
+              <a:off x="4338082" y="1312742"/>
+              <a:ext cx="5569528" cy="2185635"/>
             </a:xfrm>
             <a:prstGeom prst="rect">
               <a:avLst/>
@@ -3163,7 +3164,7 @@
         <p:spPr>
           <a:xfrm>
             <a:off x="123305" y="95856"/>
-            <a:ext cx="11945390" cy="3828273"/>
+            <a:ext cx="11945390" cy="5980148"/>
           </a:xfrm>
           <a:prstGeom prst="rect">
             <a:avLst/>
@@ -3200,6 +3201,115 @@
           </a:p>
         </p:txBody>
       </p:sp>
+      <p:sp>
+        <p:nvSpPr>
+          <p:cNvPr id="9" name="직사각형 8"/>
+          <p:cNvSpPr/>
+          <p:nvPr/>
+        </p:nvSpPr>
+        <p:spPr>
+          <a:xfrm>
+            <a:off x="243840" y="232756"/>
+            <a:ext cx="11704321" cy="3855597"/>
+          </a:xfrm>
+          <a:prstGeom prst="rect">
+            <a:avLst/>
+          </a:prstGeom>
+          <a:solidFill>
+            <a:srgbClr val="181818"/>
+          </a:solidFill>
+          <a:ln>
+            <a:noFill/>
+          </a:ln>
+        </p:spPr>
+        <p:style>
+          <a:lnRef idx="2">
+            <a:schemeClr val="accent1">
+              <a:shade val="50000"/>
+            </a:schemeClr>
+          </a:lnRef>
+          <a:fillRef idx="1">
+            <a:schemeClr val="accent1"/>
+          </a:fillRef>
+          <a:effectRef idx="0">
+            <a:schemeClr val="accent1"/>
+          </a:effectRef>
+          <a:fontRef idx="minor">
+            <a:schemeClr val="lt1"/>
+          </a:fontRef>
+        </p:style>
+        <p:txBody>
+          <a:bodyPr rtlCol="0" anchor="ctr"/>
+          <a:lstStyle/>
+          <a:p>
+            <a:pPr algn="ctr"/>
+            <a:endParaRPr lang="ko-KR" altLang="en-US" sz="1100"/>
+          </a:p>
+        </p:txBody>
+      </p:sp>
+      <p:grpSp>
+        <p:nvGrpSpPr>
+          <p:cNvPr id="11" name="그룹 10"/>
+          <p:cNvGrpSpPr/>
+          <p:nvPr/>
+        </p:nvGrpSpPr>
+        <p:grpSpPr>
+          <a:xfrm>
+            <a:off x="1808204" y="1242274"/>
+            <a:ext cx="8575593" cy="1884045"/>
+            <a:chOff x="1808204" y="909031"/>
+            <a:chExt cx="8575593" cy="1884045"/>
+          </a:xfrm>
+        </p:grpSpPr>
+        <p:pic>
+          <p:nvPicPr>
+            <p:cNvPr id="8" name="그림 7"/>
+            <p:cNvPicPr>
+              <a:picLocks noChangeAspect="1"/>
+            </p:cNvPicPr>
+            <p:nvPr/>
+          </p:nvPicPr>
+          <p:blipFill>
+            <a:blip r:embed="rId2"/>
+            <a:stretch>
+              <a:fillRect/>
+            </a:stretch>
+          </p:blipFill>
+          <p:spPr>
+            <a:xfrm>
+              <a:off x="1808204" y="909031"/>
+              <a:ext cx="8575593" cy="1277216"/>
+            </a:xfrm>
+            <a:prstGeom prst="rect">
+              <a:avLst/>
+            </a:prstGeom>
+          </p:spPr>
+        </p:pic>
+        <p:pic>
+          <p:nvPicPr>
+            <p:cNvPr id="10" name="그림 9"/>
+            <p:cNvPicPr>
+              <a:picLocks noChangeAspect="1"/>
+            </p:cNvPicPr>
+            <p:nvPr/>
+          </p:nvPicPr>
+          <p:blipFill>
+            <a:blip r:embed="rId3"/>
+            <a:stretch>
+              <a:fillRect/>
+            </a:stretch>
+          </p:blipFill>
+          <p:spPr>
+            <a:xfrm>
+              <a:off x="4525553" y="2490204"/>
+              <a:ext cx="3140895" cy="302872"/>
+            </a:xfrm>
+            <a:prstGeom prst="rect">
+              <a:avLst/>
+            </a:prstGeom>
+          </p:spPr>
+        </p:pic>
+      </p:grpSp>
     </p:spTree>
     <p:extLst>
       <p:ext uri="{BB962C8B-B14F-4D97-AF65-F5344CB8AC3E}">
@@ -3842,8 +3952,8 @@
         </p:nvSpPr>
         <p:spPr>
           <a:xfrm>
-            <a:off x="1784378" y="1964115"/>
-            <a:ext cx="8623243" cy="1682961"/>
+            <a:off x="3883386" y="1964115"/>
+            <a:ext cx="4425229" cy="2308324"/>
           </a:xfrm>
           <a:prstGeom prst="rect">
             <a:avLst/>
@@ -3875,9 +3985,16 @@
                 <a:latin typeface="나눔스퀘어" panose="020B0600000101010101" pitchFamily="50" charset="-127"/>
                 <a:ea typeface="나눔스퀘어" panose="020B0600000101010101" pitchFamily="50" charset="-127"/>
               </a:rPr>
-              <a:t>프로그램 실행</a:t>
-            </a:r>
-            <a:endParaRPr lang="en-US" altLang="ko-KR" sz="2400" dirty="0">
+              <a:t>프로그램 </a:t>
+            </a:r>
+            <a:r>
+              <a:rPr lang="ko-KR" altLang="en-US" sz="2400" dirty="0" smtClean="0">
+                <a:latin typeface="나눔스퀘어" panose="020B0600000101010101" pitchFamily="50" charset="-127"/>
+                <a:ea typeface="나눔스퀘어" panose="020B0600000101010101" pitchFamily="50" charset="-127"/>
+              </a:rPr>
+              <a:t>실행</a:t>
+            </a:r>
+            <a:endParaRPr lang="en-US" altLang="ko-KR" sz="2400" dirty="0" smtClean="0">
               <a:latin typeface="나눔스퀘어" panose="020B0600000101010101" pitchFamily="50" charset="-127"/>
               <a:ea typeface="나눔스퀘어" panose="020B0600000101010101" pitchFamily="50" charset="-127"/>
             </a:endParaRPr>
@@ -3891,18 +4008,25 @@
               <a:buChar char="ü"/>
             </a:pPr>
             <a:r>
-              <a:rPr lang="en-US" altLang="ko-KR" sz="2400" dirty="0">
-                <a:latin typeface="나눔스퀘어" panose="020B0600000101010101" pitchFamily="50" charset="-127"/>
-                <a:ea typeface="나눔스퀘어" panose="020B0600000101010101" pitchFamily="50" charset="-127"/>
-              </a:rPr>
-              <a:t>Ticket : </a:t>
-            </a:r>
-            <a:r>
-              <a:rPr lang="ko-KR" altLang="en-US" sz="2400" dirty="0">
-                <a:latin typeface="나눔스퀘어" panose="020B0600000101010101" pitchFamily="50" charset="-127"/>
-                <a:ea typeface="나눔스퀘어" panose="020B0600000101010101" pitchFamily="50" charset="-127"/>
-              </a:rPr>
-              <a:t>들어가는 요소들</a:t>
+              <a:rPr lang="en-US" altLang="ko-KR" sz="2400" dirty="0" smtClean="0">
+                <a:latin typeface="나눔스퀘어" panose="020B0600000101010101" pitchFamily="50" charset="-127"/>
+                <a:ea typeface="나눔스퀘어" panose="020B0600000101010101" pitchFamily="50" charset="-127"/>
+              </a:rPr>
+              <a:t>User : </a:t>
+            </a:r>
+            <a:r>
+              <a:rPr lang="ko-KR" altLang="en-US" sz="2400" dirty="0" err="1" smtClean="0">
+                <a:latin typeface="나눔스퀘어" panose="020B0600000101010101" pitchFamily="50" charset="-127"/>
+                <a:ea typeface="나눔스퀘어" panose="020B0600000101010101" pitchFamily="50" charset="-127"/>
+              </a:rPr>
+              <a:t>예매자</a:t>
+            </a:r>
+            <a:r>
+              <a:rPr lang="ko-KR" altLang="en-US" sz="2400" dirty="0" smtClean="0">
+                <a:latin typeface="나눔스퀘어" panose="020B0600000101010101" pitchFamily="50" charset="-127"/>
+                <a:ea typeface="나눔스퀘어" panose="020B0600000101010101" pitchFamily="50" charset="-127"/>
+              </a:rPr>
+              <a:t> 관련 요소</a:t>
             </a:r>
             <a:endParaRPr lang="en-US" altLang="ko-KR" sz="2400" dirty="0">
               <a:latin typeface="나눔스퀘어" panose="020B0600000101010101" pitchFamily="50" charset="-127"/>
@@ -3918,6 +4042,33 @@
               <a:buChar char="ü"/>
             </a:pPr>
             <a:r>
+              <a:rPr lang="en-US" altLang="ko-KR" sz="2400" dirty="0">
+                <a:latin typeface="나눔스퀘어" panose="020B0600000101010101" pitchFamily="50" charset="-127"/>
+                <a:ea typeface="나눔스퀘어" panose="020B0600000101010101" pitchFamily="50" charset="-127"/>
+              </a:rPr>
+              <a:t>Ticket : </a:t>
+            </a:r>
+            <a:r>
+              <a:rPr lang="ko-KR" altLang="en-US" sz="2400" dirty="0" smtClean="0">
+                <a:latin typeface="나눔스퀘어" panose="020B0600000101010101" pitchFamily="50" charset="-127"/>
+                <a:ea typeface="나눔스퀘어" panose="020B0600000101010101" pitchFamily="50" charset="-127"/>
+              </a:rPr>
+              <a:t>뮤지컬 관련 요소</a:t>
+            </a:r>
+            <a:endParaRPr lang="en-US" altLang="ko-KR" sz="2400" dirty="0">
+              <a:latin typeface="나눔스퀘어" panose="020B0600000101010101" pitchFamily="50" charset="-127"/>
+              <a:ea typeface="나눔스퀘어" panose="020B0600000101010101" pitchFamily="50" charset="-127"/>
+            </a:endParaRPr>
+          </a:p>
+          <a:p>
+            <a:pPr marL="285750" indent="-285750">
+              <a:lnSpc>
+                <a:spcPct val="150000"/>
+              </a:lnSpc>
+              <a:buFont typeface="Wingdings" panose="05000000000000000000" pitchFamily="2" charset="2"/>
+              <a:buChar char="ü"/>
+            </a:pPr>
+            <a:r>
               <a:rPr lang="en-US" altLang="ko-KR" sz="2400" dirty="0" err="1">
                 <a:latin typeface="나눔스퀘어" panose="020B0600000101010101" pitchFamily="50" charset="-127"/>
                 <a:ea typeface="나눔스퀘어" panose="020B0600000101010101" pitchFamily="50" charset="-127"/>
@@ -3945,6 +4096,817 @@
     <p:extLst>
       <p:ext uri="{BB962C8B-B14F-4D97-AF65-F5344CB8AC3E}">
         <p14:creationId xmlns:p14="http://schemas.microsoft.com/office/powerpoint/2010/main" val="2989220261"/>
+      </p:ext>
+    </p:extLst>
+  </p:cSld>
+  <p:clrMapOvr>
+    <a:masterClrMapping/>
+  </p:clrMapOvr>
+</p:sld>
+</file>
+
+<file path=ppt/slides/slide4.xml><?xml version="1.0" encoding="utf-8"?>
+<p:sld xmlns:a="http://schemas.openxmlformats.org/drawingml/2006/main" xmlns:r="http://schemas.openxmlformats.org/officeDocument/2006/relationships" xmlns:p="http://schemas.openxmlformats.org/presentationml/2006/main">
+  <p:cSld>
+    <p:spTree>
+      <p:nvGrpSpPr>
+        <p:cNvPr id="1" name="">
+          <a:extLst>
+            <a:ext uri="{FF2B5EF4-FFF2-40B4-BE49-F238E27FC236}">
+              <a16:creationId xmlns:a16="http://schemas.microsoft.com/office/drawing/2014/main" id="{8A37F676-9E1F-006F-E7EA-644B2224AEED}"/>
+            </a:ext>
+          </a:extLst>
+        </p:cNvPr>
+        <p:cNvGrpSpPr/>
+        <p:nvPr/>
+      </p:nvGrpSpPr>
+      <p:grpSpPr>
+        <a:xfrm>
+          <a:off x="0" y="0"/>
+          <a:ext cx="0" cy="0"/>
+          <a:chOff x="0" y="0"/>
+          <a:chExt cx="0" cy="0"/>
+        </a:xfrm>
+      </p:grpSpPr>
+      <p:sp>
+        <p:nvSpPr>
+          <p:cNvPr id="4" name="직사각형 3">
+            <a:extLst>
+              <a:ext uri="{FF2B5EF4-FFF2-40B4-BE49-F238E27FC236}">
+                <a16:creationId xmlns:a16="http://schemas.microsoft.com/office/drawing/2014/main" id="{7DB542C1-551A-955A-3C0D-5C1F792DCE7E}"/>
+              </a:ext>
+            </a:extLst>
+          </p:cNvPr>
+          <p:cNvSpPr/>
+          <p:nvPr/>
+        </p:nvSpPr>
+        <p:spPr>
+          <a:xfrm>
+            <a:off x="0" y="1"/>
+            <a:ext cx="12192000" cy="1305098"/>
+          </a:xfrm>
+          <a:prstGeom prst="rect">
+            <a:avLst/>
+          </a:prstGeom>
+          <a:solidFill>
+            <a:schemeClr val="accent5">
+              <a:lumMod val="75000"/>
+            </a:schemeClr>
+          </a:solidFill>
+          <a:ln>
+            <a:noFill/>
+          </a:ln>
+        </p:spPr>
+        <p:style>
+          <a:lnRef idx="2">
+            <a:schemeClr val="accent1">
+              <a:shade val="50000"/>
+            </a:schemeClr>
+          </a:lnRef>
+          <a:fillRef idx="1">
+            <a:schemeClr val="accent1"/>
+          </a:fillRef>
+          <a:effectRef idx="0">
+            <a:schemeClr val="accent1"/>
+          </a:effectRef>
+          <a:fontRef idx="minor">
+            <a:schemeClr val="lt1"/>
+          </a:fontRef>
+        </p:style>
+        <p:txBody>
+          <a:bodyPr rtlCol="0" anchor="ctr"/>
+          <a:lstStyle/>
+          <a:p>
+            <a:pPr algn="ctr"/>
+            <a:endParaRPr lang="ko-KR" altLang="en-US"/>
+          </a:p>
+        </p:txBody>
+      </p:sp>
+      <p:sp>
+        <p:nvSpPr>
+          <p:cNvPr id="5" name="직사각형 4">
+            <a:extLst>
+              <a:ext uri="{FF2B5EF4-FFF2-40B4-BE49-F238E27FC236}">
+                <a16:creationId xmlns:a16="http://schemas.microsoft.com/office/drawing/2014/main" id="{FB7816EE-B800-7D6D-C274-A483FADDE2CF}"/>
+              </a:ext>
+            </a:extLst>
+          </p:cNvPr>
+          <p:cNvSpPr/>
+          <p:nvPr/>
+        </p:nvSpPr>
+        <p:spPr>
+          <a:xfrm>
+            <a:off x="123305" y="95856"/>
+            <a:ext cx="11945390" cy="6666288"/>
+          </a:xfrm>
+          <a:prstGeom prst="rect">
+            <a:avLst/>
+          </a:prstGeom>
+          <a:noFill/>
+          <a:ln>
+            <a:solidFill>
+              <a:schemeClr val="accent5">
+                <a:lumMod val="75000"/>
+              </a:schemeClr>
+            </a:solidFill>
+          </a:ln>
+        </p:spPr>
+        <p:style>
+          <a:lnRef idx="2">
+            <a:schemeClr val="accent1">
+              <a:shade val="50000"/>
+            </a:schemeClr>
+          </a:lnRef>
+          <a:fillRef idx="1">
+            <a:schemeClr val="accent1"/>
+          </a:fillRef>
+          <a:effectRef idx="0">
+            <a:schemeClr val="accent1"/>
+          </a:effectRef>
+          <a:fontRef idx="minor">
+            <a:schemeClr val="lt1"/>
+          </a:fontRef>
+        </p:style>
+        <p:txBody>
+          <a:bodyPr rtlCol="0" anchor="ctr"/>
+          <a:lstStyle/>
+          <a:p>
+            <a:pPr algn="ctr"/>
+            <a:endParaRPr lang="ko-KR" altLang="en-US"/>
+          </a:p>
+        </p:txBody>
+      </p:sp>
+      <p:sp>
+        <p:nvSpPr>
+          <p:cNvPr id="6" name="직사각형 5">
+            <a:extLst>
+              <a:ext uri="{FF2B5EF4-FFF2-40B4-BE49-F238E27FC236}">
+                <a16:creationId xmlns:a16="http://schemas.microsoft.com/office/drawing/2014/main" id="{0833345E-738A-BC6A-AEF2-FCDD4BE36C77}"/>
+              </a:ext>
+            </a:extLst>
+          </p:cNvPr>
+          <p:cNvSpPr/>
+          <p:nvPr/>
+        </p:nvSpPr>
+        <p:spPr>
+          <a:xfrm>
+            <a:off x="123305" y="95856"/>
+            <a:ext cx="11945390" cy="1209243"/>
+          </a:xfrm>
+          <a:prstGeom prst="rect">
+            <a:avLst/>
+          </a:prstGeom>
+          <a:noFill/>
+          <a:ln>
+            <a:solidFill>
+              <a:schemeClr val="bg1"/>
+            </a:solidFill>
+          </a:ln>
+        </p:spPr>
+        <p:style>
+          <a:lnRef idx="2">
+            <a:schemeClr val="accent1">
+              <a:shade val="50000"/>
+            </a:schemeClr>
+          </a:lnRef>
+          <a:fillRef idx="1">
+            <a:schemeClr val="accent1"/>
+          </a:fillRef>
+          <a:effectRef idx="0">
+            <a:schemeClr val="accent1"/>
+          </a:effectRef>
+          <a:fontRef idx="minor">
+            <a:schemeClr val="lt1"/>
+          </a:fontRef>
+        </p:style>
+        <p:txBody>
+          <a:bodyPr rtlCol="0" anchor="ctr"/>
+          <a:lstStyle/>
+          <a:p>
+            <a:pPr algn="ctr"/>
+            <a:endParaRPr lang="ko-KR" altLang="en-US"/>
+          </a:p>
+        </p:txBody>
+      </p:sp>
+      <p:sp>
+        <p:nvSpPr>
+          <p:cNvPr id="7" name="TextBox 6">
+            <a:extLst>
+              <a:ext uri="{FF2B5EF4-FFF2-40B4-BE49-F238E27FC236}">
+                <a16:creationId xmlns:a16="http://schemas.microsoft.com/office/drawing/2014/main" id="{A5598CF5-DA2A-D3D3-D167-BD6F99727CE2}"/>
+              </a:ext>
+            </a:extLst>
+          </p:cNvPr>
+          <p:cNvSpPr txBox="1"/>
+          <p:nvPr/>
+        </p:nvSpPr>
+        <p:spPr>
+          <a:xfrm>
+            <a:off x="2286000" y="377311"/>
+            <a:ext cx="7620000" cy="646331"/>
+          </a:xfrm>
+          <a:prstGeom prst="rect">
+            <a:avLst/>
+          </a:prstGeom>
+          <a:noFill/>
+        </p:spPr>
+        <p:txBody>
+          <a:bodyPr wrap="square" rtlCol="0">
+            <a:spAutoFit/>
+          </a:bodyPr>
+          <a:lstStyle/>
+          <a:p>
+            <a:pPr algn="ctr"/>
+            <a:r>
+              <a:rPr lang="ko-KR" altLang="en-US" sz="3600" smtClean="0">
+                <a:solidFill>
+                  <a:schemeClr val="bg1"/>
+                </a:solidFill>
+                <a:latin typeface="나눔스퀘어 Bold" panose="020B0600000101010101" pitchFamily="50" charset="-127"/>
+                <a:ea typeface="나눔스퀘어 Bold" panose="020B0600000101010101" pitchFamily="50" charset="-127"/>
+              </a:rPr>
+              <a:t>진행 구성</a:t>
+            </a:r>
+            <a:endParaRPr lang="ko-KR" altLang="en-US" sz="3600" dirty="0">
+              <a:solidFill>
+                <a:schemeClr val="bg1"/>
+              </a:solidFill>
+              <a:latin typeface="나눔스퀘어 Bold" panose="020B0600000101010101" pitchFamily="50" charset="-127"/>
+              <a:ea typeface="나눔스퀘어 Bold" panose="020B0600000101010101" pitchFamily="50" charset="-127"/>
+            </a:endParaRPr>
+          </a:p>
+        </p:txBody>
+      </p:sp>
+      <p:sp>
+        <p:nvSpPr>
+          <p:cNvPr id="8" name="TextBox 7">
+            <a:extLst>
+              <a:ext uri="{FF2B5EF4-FFF2-40B4-BE49-F238E27FC236}">
+                <a16:creationId xmlns:a16="http://schemas.microsoft.com/office/drawing/2014/main" id="{8964093A-CB0E-4DCD-93DA-E60441F40E52}"/>
+              </a:ext>
+            </a:extLst>
+          </p:cNvPr>
+          <p:cNvSpPr txBox="1"/>
+          <p:nvPr/>
+        </p:nvSpPr>
+        <p:spPr>
+          <a:xfrm>
+            <a:off x="1989837" y="1586554"/>
+            <a:ext cx="1337007" cy="646331"/>
+          </a:xfrm>
+          <a:prstGeom prst="rect">
+            <a:avLst/>
+          </a:prstGeom>
+          <a:noFill/>
+        </p:spPr>
+        <p:txBody>
+          <a:bodyPr wrap="square" rtlCol="0">
+            <a:spAutoFit/>
+          </a:bodyPr>
+          <a:lstStyle/>
+          <a:p>
+            <a:pPr marL="285750" indent="-285750">
+              <a:lnSpc>
+                <a:spcPct val="150000"/>
+              </a:lnSpc>
+              <a:buFont typeface="Wingdings" panose="05000000000000000000" pitchFamily="2" charset="2"/>
+              <a:buChar char="ü"/>
+            </a:pPr>
+            <a:r>
+              <a:rPr lang="en-US" altLang="ko-KR" sz="2400" dirty="0" smtClean="0">
+                <a:latin typeface="나눔스퀘어" panose="020B0600000101010101" pitchFamily="50" charset="-127"/>
+                <a:ea typeface="나눔스퀘어" panose="020B0600000101010101" pitchFamily="50" charset="-127"/>
+              </a:rPr>
+              <a:t>MENU</a:t>
+            </a:r>
+            <a:endParaRPr lang="ko-KR" altLang="en-US" sz="2400" dirty="0">
+              <a:latin typeface="나눔스퀘어" panose="020B0600000101010101" pitchFamily="50" charset="-127"/>
+              <a:ea typeface="나눔스퀘어" panose="020B0600000101010101" pitchFamily="50" charset="-127"/>
+            </a:endParaRPr>
+          </a:p>
+        </p:txBody>
+      </p:sp>
+      <p:pic>
+        <p:nvPicPr>
+          <p:cNvPr id="2" name="그림 1"/>
+          <p:cNvPicPr>
+            <a:picLocks noChangeAspect="1"/>
+          </p:cNvPicPr>
+          <p:nvPr/>
+        </p:nvPicPr>
+        <p:blipFill>
+          <a:blip r:embed="rId2"/>
+          <a:stretch>
+            <a:fillRect/>
+          </a:stretch>
+        </p:blipFill>
+        <p:spPr>
+          <a:xfrm>
+            <a:off x="2112407" y="2191177"/>
+            <a:ext cx="2428875" cy="1352550"/>
+          </a:xfrm>
+          <a:prstGeom prst="rect">
+            <a:avLst/>
+          </a:prstGeom>
+        </p:spPr>
+      </p:pic>
+      <p:pic>
+        <p:nvPicPr>
+          <p:cNvPr id="3" name="그림 2"/>
+          <p:cNvPicPr>
+            <a:picLocks noChangeAspect="1"/>
+          </p:cNvPicPr>
+          <p:nvPr/>
+        </p:nvPicPr>
+        <p:blipFill>
+          <a:blip r:embed="rId3"/>
+          <a:stretch>
+            <a:fillRect/>
+          </a:stretch>
+        </p:blipFill>
+        <p:spPr>
+          <a:xfrm>
+            <a:off x="6671377" y="2191177"/>
+            <a:ext cx="2281783" cy="1352550"/>
+          </a:xfrm>
+          <a:prstGeom prst="rect">
+            <a:avLst/>
+          </a:prstGeom>
+        </p:spPr>
+      </p:pic>
+      <p:sp>
+        <p:nvSpPr>
+          <p:cNvPr id="9" name="TextBox 8">
+            <a:extLst>
+              <a:ext uri="{FF2B5EF4-FFF2-40B4-BE49-F238E27FC236}">
+                <a16:creationId xmlns:a16="http://schemas.microsoft.com/office/drawing/2014/main" id="{8964093A-CB0E-4DCD-93DA-E60441F40E52}"/>
+              </a:ext>
+            </a:extLst>
+          </p:cNvPr>
+          <p:cNvSpPr txBox="1"/>
+          <p:nvPr/>
+        </p:nvSpPr>
+        <p:spPr>
+          <a:xfrm>
+            <a:off x="2112407" y="3639582"/>
+            <a:ext cx="3895576" cy="1902059"/>
+          </a:xfrm>
+          <a:prstGeom prst="rect">
+            <a:avLst/>
+          </a:prstGeom>
+          <a:noFill/>
+        </p:spPr>
+        <p:txBody>
+          <a:bodyPr wrap="square" rtlCol="0">
+            <a:spAutoFit/>
+          </a:bodyPr>
+          <a:lstStyle/>
+          <a:p>
+            <a:pPr marL="342900" indent="-342900">
+              <a:lnSpc>
+                <a:spcPct val="120000"/>
+              </a:lnSpc>
+              <a:buFont typeface="+mj-lt"/>
+              <a:buAutoNum type="arabicPeriod"/>
+            </a:pPr>
+            <a:r>
+              <a:rPr lang="ko-KR" altLang="en-US" sz="1400" dirty="0">
+                <a:latin typeface="나눔스퀘어" panose="020B0600000101010101" pitchFamily="50" charset="-127"/>
+                <a:ea typeface="나눔스퀘어" panose="020B0600000101010101" pitchFamily="50" charset="-127"/>
+              </a:rPr>
+              <a:t>캐스팅 시간표 </a:t>
+            </a:r>
+            <a:r>
+              <a:rPr lang="ko-KR" altLang="en-US" sz="1400" dirty="0" smtClean="0">
+                <a:latin typeface="나눔스퀘어" panose="020B0600000101010101" pitchFamily="50" charset="-127"/>
+                <a:ea typeface="나눔스퀘어" panose="020B0600000101010101" pitchFamily="50" charset="-127"/>
+              </a:rPr>
+              <a:t>보기</a:t>
+            </a:r>
+            <a:endParaRPr lang="en-US" altLang="ko-KR" sz="1400" dirty="0" smtClean="0">
+              <a:latin typeface="나눔스퀘어" panose="020B0600000101010101" pitchFamily="50" charset="-127"/>
+              <a:ea typeface="나눔스퀘어" panose="020B0600000101010101" pitchFamily="50" charset="-127"/>
+            </a:endParaRPr>
+          </a:p>
+          <a:p>
+            <a:pPr marL="342900" indent="-342900">
+              <a:lnSpc>
+                <a:spcPct val="120000"/>
+              </a:lnSpc>
+              <a:buFont typeface="+mj-lt"/>
+              <a:buAutoNum type="arabicPeriod"/>
+            </a:pPr>
+            <a:r>
+              <a:rPr lang="ko-KR" altLang="en-US" sz="1400" dirty="0">
+                <a:latin typeface="나눔스퀘어" panose="020B0600000101010101" pitchFamily="50" charset="-127"/>
+                <a:ea typeface="나눔스퀘어" panose="020B0600000101010101" pitchFamily="50" charset="-127"/>
+              </a:rPr>
+              <a:t>공연 </a:t>
+            </a:r>
+            <a:r>
+              <a:rPr lang="ko-KR" altLang="en-US" sz="1400" dirty="0" smtClean="0">
+                <a:latin typeface="나눔스퀘어" panose="020B0600000101010101" pitchFamily="50" charset="-127"/>
+                <a:ea typeface="나눔스퀘어" panose="020B0600000101010101" pitchFamily="50" charset="-127"/>
+              </a:rPr>
+              <a:t>예매하기</a:t>
+            </a:r>
+            <a:endParaRPr lang="en-US" altLang="ko-KR" sz="1400" dirty="0" smtClean="0">
+              <a:latin typeface="나눔스퀘어" panose="020B0600000101010101" pitchFamily="50" charset="-127"/>
+              <a:ea typeface="나눔스퀘어" panose="020B0600000101010101" pitchFamily="50" charset="-127"/>
+            </a:endParaRPr>
+          </a:p>
+          <a:p>
+            <a:pPr marL="342900" indent="-342900">
+              <a:lnSpc>
+                <a:spcPct val="120000"/>
+              </a:lnSpc>
+              <a:buFont typeface="+mj-lt"/>
+              <a:buAutoNum type="arabicPeriod"/>
+            </a:pPr>
+            <a:r>
+              <a:rPr lang="ko-KR" altLang="en-US" sz="1400" dirty="0" err="1">
+                <a:latin typeface="나눔스퀘어" panose="020B0600000101010101" pitchFamily="50" charset="-127"/>
+                <a:ea typeface="나눔스퀘어" panose="020B0600000101010101" pitchFamily="50" charset="-127"/>
+              </a:rPr>
+              <a:t>예매내역</a:t>
+            </a:r>
+            <a:r>
+              <a:rPr lang="ko-KR" altLang="en-US" sz="1400" dirty="0">
+                <a:latin typeface="나눔스퀘어" panose="020B0600000101010101" pitchFamily="50" charset="-127"/>
+                <a:ea typeface="나눔스퀘어" panose="020B0600000101010101" pitchFamily="50" charset="-127"/>
+              </a:rPr>
+              <a:t> </a:t>
+            </a:r>
+            <a:r>
+              <a:rPr lang="ko-KR" altLang="en-US" sz="1400" dirty="0" smtClean="0">
+                <a:latin typeface="나눔스퀘어" panose="020B0600000101010101" pitchFamily="50" charset="-127"/>
+                <a:ea typeface="나눔스퀘어" panose="020B0600000101010101" pitchFamily="50" charset="-127"/>
+              </a:rPr>
+              <a:t>확인하기</a:t>
+            </a:r>
+            <a:endParaRPr lang="en-US" altLang="ko-KR" sz="1400" dirty="0" smtClean="0">
+              <a:latin typeface="나눔스퀘어" panose="020B0600000101010101" pitchFamily="50" charset="-127"/>
+              <a:ea typeface="나눔스퀘어" panose="020B0600000101010101" pitchFamily="50" charset="-127"/>
+            </a:endParaRPr>
+          </a:p>
+          <a:p>
+            <a:pPr marL="342900" indent="-342900">
+              <a:lnSpc>
+                <a:spcPct val="120000"/>
+              </a:lnSpc>
+              <a:buFont typeface="+mj-lt"/>
+              <a:buAutoNum type="arabicPeriod"/>
+            </a:pPr>
+            <a:r>
+              <a:rPr lang="ko-KR" altLang="en-US" sz="1400" dirty="0">
+                <a:latin typeface="나눔스퀘어" panose="020B0600000101010101" pitchFamily="50" charset="-127"/>
+                <a:ea typeface="나눔스퀘어" panose="020B0600000101010101" pitchFamily="50" charset="-127"/>
+              </a:rPr>
+              <a:t>예매 </a:t>
+            </a:r>
+            <a:r>
+              <a:rPr lang="ko-KR" altLang="en-US" sz="1400" dirty="0" smtClean="0">
+                <a:latin typeface="나눔스퀘어" panose="020B0600000101010101" pitchFamily="50" charset="-127"/>
+                <a:ea typeface="나눔스퀘어" panose="020B0600000101010101" pitchFamily="50" charset="-127"/>
+              </a:rPr>
+              <a:t>취소하기</a:t>
+            </a:r>
+            <a:endParaRPr lang="en-US" altLang="ko-KR" sz="1400" dirty="0" smtClean="0">
+              <a:latin typeface="나눔스퀘어" panose="020B0600000101010101" pitchFamily="50" charset="-127"/>
+              <a:ea typeface="나눔스퀘어" panose="020B0600000101010101" pitchFamily="50" charset="-127"/>
+            </a:endParaRPr>
+          </a:p>
+          <a:p>
+            <a:pPr marL="342900" indent="-342900">
+              <a:lnSpc>
+                <a:spcPct val="120000"/>
+              </a:lnSpc>
+              <a:buFont typeface="+mj-lt"/>
+              <a:buAutoNum type="arabicPeriod"/>
+            </a:pPr>
+            <a:r>
+              <a:rPr lang="ko-KR" altLang="en-US" sz="1400" dirty="0" err="1" smtClean="0">
+                <a:latin typeface="나눔스퀘어" panose="020B0600000101010101" pitchFamily="50" charset="-127"/>
+                <a:ea typeface="나눔스퀘어" panose="020B0600000101010101" pitchFamily="50" charset="-127"/>
+              </a:rPr>
+              <a:t>관리자메뉴</a:t>
+            </a:r>
+            <a:endParaRPr lang="en-US" altLang="ko-KR" sz="1400" dirty="0" smtClean="0">
+              <a:latin typeface="나눔스퀘어" panose="020B0600000101010101" pitchFamily="50" charset="-127"/>
+              <a:ea typeface="나눔스퀘어" panose="020B0600000101010101" pitchFamily="50" charset="-127"/>
+            </a:endParaRPr>
+          </a:p>
+          <a:p>
+            <a:pPr marL="342900" indent="-342900">
+              <a:lnSpc>
+                <a:spcPct val="120000"/>
+              </a:lnSpc>
+              <a:buFont typeface="+mj-lt"/>
+              <a:buAutoNum type="arabicPeriod"/>
+            </a:pPr>
+            <a:r>
+              <a:rPr lang="ko-KR" altLang="en-US" sz="1400" dirty="0" smtClean="0">
+                <a:latin typeface="나눔스퀘어" panose="020B0600000101010101" pitchFamily="50" charset="-127"/>
+                <a:ea typeface="나눔스퀘어" panose="020B0600000101010101" pitchFamily="50" charset="-127"/>
+              </a:rPr>
+              <a:t>종료하기</a:t>
+            </a:r>
+            <a:endParaRPr lang="en-US" altLang="ko-KR" sz="1400" dirty="0" smtClean="0">
+              <a:latin typeface="나눔스퀘어" panose="020B0600000101010101" pitchFamily="50" charset="-127"/>
+              <a:ea typeface="나눔스퀘어" panose="020B0600000101010101" pitchFamily="50" charset="-127"/>
+            </a:endParaRPr>
+          </a:p>
+          <a:p>
+            <a:pPr>
+              <a:lnSpc>
+                <a:spcPct val="120000"/>
+              </a:lnSpc>
+            </a:pPr>
+            <a:r>
+              <a:rPr lang="ko-KR" altLang="en-US" sz="1400" dirty="0" smtClean="0">
+                <a:latin typeface="나눔스퀘어" panose="020B0600000101010101" pitchFamily="50" charset="-127"/>
+                <a:ea typeface="나눔스퀘어" panose="020B0600000101010101" pitchFamily="50" charset="-127"/>
+              </a:rPr>
+              <a:t>각 메뉴를 선택하여 예매</a:t>
+            </a:r>
+            <a:r>
+              <a:rPr lang="en-US" altLang="ko-KR" sz="1400" dirty="0" smtClean="0">
+                <a:latin typeface="나눔스퀘어" panose="020B0600000101010101" pitchFamily="50" charset="-127"/>
+                <a:ea typeface="나눔스퀘어" panose="020B0600000101010101" pitchFamily="50" charset="-127"/>
+              </a:rPr>
+              <a:t>/</a:t>
+            </a:r>
+            <a:r>
+              <a:rPr lang="ko-KR" altLang="en-US" sz="1400" dirty="0" smtClean="0">
+                <a:latin typeface="나눔스퀘어" panose="020B0600000101010101" pitchFamily="50" charset="-127"/>
+                <a:ea typeface="나눔스퀘어" panose="020B0600000101010101" pitchFamily="50" charset="-127"/>
+              </a:rPr>
+              <a:t>확인</a:t>
+            </a:r>
+            <a:r>
+              <a:rPr lang="en-US" altLang="ko-KR" sz="1400" dirty="0" smtClean="0">
+                <a:latin typeface="나눔스퀘어" panose="020B0600000101010101" pitchFamily="50" charset="-127"/>
+                <a:ea typeface="나눔스퀘어" panose="020B0600000101010101" pitchFamily="50" charset="-127"/>
+              </a:rPr>
+              <a:t>/</a:t>
+            </a:r>
+            <a:r>
+              <a:rPr lang="ko-KR" altLang="en-US" sz="1400" dirty="0" smtClean="0">
+                <a:latin typeface="나눔스퀘어" panose="020B0600000101010101" pitchFamily="50" charset="-127"/>
+                <a:ea typeface="나눔스퀘어" panose="020B0600000101010101" pitchFamily="50" charset="-127"/>
+              </a:rPr>
+              <a:t>취소 등을 할 수 있음</a:t>
+            </a:r>
+            <a:endParaRPr lang="ko-KR" altLang="en-US" sz="1400" dirty="0">
+              <a:latin typeface="나눔스퀘어" panose="020B0600000101010101" pitchFamily="50" charset="-127"/>
+              <a:ea typeface="나눔스퀘어" panose="020B0600000101010101" pitchFamily="50" charset="-127"/>
+            </a:endParaRPr>
+          </a:p>
+        </p:txBody>
+      </p:sp>
+      <p:sp>
+        <p:nvSpPr>
+          <p:cNvPr id="10" name="TextBox 9">
+            <a:extLst>
+              <a:ext uri="{FF2B5EF4-FFF2-40B4-BE49-F238E27FC236}">
+                <a16:creationId xmlns:a16="http://schemas.microsoft.com/office/drawing/2014/main" id="{8964093A-CB0E-4DCD-93DA-E60441F40E52}"/>
+              </a:ext>
+            </a:extLst>
+          </p:cNvPr>
+          <p:cNvSpPr txBox="1"/>
+          <p:nvPr/>
+        </p:nvSpPr>
+        <p:spPr>
+          <a:xfrm>
+            <a:off x="6530383" y="1586555"/>
+            <a:ext cx="5232125" cy="646331"/>
+          </a:xfrm>
+          <a:prstGeom prst="rect">
+            <a:avLst/>
+          </a:prstGeom>
+          <a:noFill/>
+        </p:spPr>
+        <p:txBody>
+          <a:bodyPr wrap="square" rtlCol="0">
+            <a:spAutoFit/>
+          </a:bodyPr>
+          <a:lstStyle/>
+          <a:p>
+            <a:pPr marL="285750" indent="-285750">
+              <a:lnSpc>
+                <a:spcPct val="150000"/>
+              </a:lnSpc>
+              <a:buFont typeface="Wingdings" panose="05000000000000000000" pitchFamily="2" charset="2"/>
+              <a:buChar char="ü"/>
+            </a:pPr>
+            <a:r>
+              <a:rPr lang="ko-KR" altLang="en-US" sz="2400" dirty="0" smtClean="0">
+                <a:latin typeface="나눔스퀘어" panose="020B0600000101010101" pitchFamily="50" charset="-127"/>
+                <a:ea typeface="나눔스퀘어" panose="020B0600000101010101" pitchFamily="50" charset="-127"/>
+              </a:rPr>
+              <a:t>관리자 메뉴</a:t>
+            </a:r>
+            <a:r>
+              <a:rPr lang="en-US" altLang="ko-KR" sz="1200" dirty="0" smtClean="0">
+                <a:latin typeface="나눔스퀘어" panose="020B0600000101010101" pitchFamily="50" charset="-127"/>
+                <a:ea typeface="나눔스퀘어" panose="020B0600000101010101" pitchFamily="50" charset="-127"/>
+              </a:rPr>
+              <a:t>(</a:t>
+            </a:r>
+            <a:r>
+              <a:rPr lang="ko-KR" altLang="en-US" sz="1200" dirty="0">
+                <a:latin typeface="나눔스퀘어" panose="020B0600000101010101" pitchFamily="50" charset="-127"/>
+                <a:ea typeface="나눔스퀘어" panose="020B0600000101010101" pitchFamily="50" charset="-127"/>
+              </a:rPr>
+              <a:t>비밀번호 </a:t>
+            </a:r>
+            <a:r>
+              <a:rPr lang="en-US" altLang="ko-KR" sz="1200" dirty="0">
+                <a:latin typeface="나눔스퀘어" panose="020B0600000101010101" pitchFamily="50" charset="-127"/>
+                <a:ea typeface="나눔스퀘어" panose="020B0600000101010101" pitchFamily="50" charset="-127"/>
+              </a:rPr>
+              <a:t>1234</a:t>
+            </a:r>
+            <a:r>
+              <a:rPr lang="ko-KR" altLang="en-US" sz="1200" dirty="0">
+                <a:latin typeface="나눔스퀘어" panose="020B0600000101010101" pitchFamily="50" charset="-127"/>
+                <a:ea typeface="나눔스퀘어" panose="020B0600000101010101" pitchFamily="50" charset="-127"/>
+              </a:rPr>
+              <a:t>를 누르고 넘어갈 수 </a:t>
+            </a:r>
+            <a:r>
+              <a:rPr lang="ko-KR" altLang="en-US" sz="1200" dirty="0" smtClean="0">
+                <a:latin typeface="나눔스퀘어" panose="020B0600000101010101" pitchFamily="50" charset="-127"/>
+                <a:ea typeface="나눔스퀘어" panose="020B0600000101010101" pitchFamily="50" charset="-127"/>
+              </a:rPr>
+              <a:t>있음</a:t>
+            </a:r>
+            <a:r>
+              <a:rPr lang="en-US" altLang="ko-KR" sz="1200" dirty="0" smtClean="0">
+                <a:latin typeface="나눔스퀘어" panose="020B0600000101010101" pitchFamily="50" charset="-127"/>
+                <a:ea typeface="나눔스퀘어" panose="020B0600000101010101" pitchFamily="50" charset="-127"/>
+              </a:rPr>
+              <a:t>)</a:t>
+            </a:r>
+            <a:endParaRPr lang="ko-KR" altLang="en-US" sz="2400" dirty="0">
+              <a:latin typeface="나눔스퀘어" panose="020B0600000101010101" pitchFamily="50" charset="-127"/>
+              <a:ea typeface="나눔스퀘어" panose="020B0600000101010101" pitchFamily="50" charset="-127"/>
+            </a:endParaRPr>
+          </a:p>
+        </p:txBody>
+      </p:sp>
+      <p:sp>
+        <p:nvSpPr>
+          <p:cNvPr id="11" name="TextBox 10">
+            <a:extLst>
+              <a:ext uri="{FF2B5EF4-FFF2-40B4-BE49-F238E27FC236}">
+                <a16:creationId xmlns:a16="http://schemas.microsoft.com/office/drawing/2014/main" id="{8964093A-CB0E-4DCD-93DA-E60441F40E52}"/>
+              </a:ext>
+            </a:extLst>
+          </p:cNvPr>
+          <p:cNvSpPr txBox="1"/>
+          <p:nvPr/>
+        </p:nvSpPr>
+        <p:spPr>
+          <a:xfrm>
+            <a:off x="6652954" y="3639582"/>
+            <a:ext cx="3895576" cy="1384995"/>
+          </a:xfrm>
+          <a:prstGeom prst="rect">
+            <a:avLst/>
+          </a:prstGeom>
+          <a:noFill/>
+        </p:spPr>
+        <p:txBody>
+          <a:bodyPr wrap="square" rtlCol="0">
+            <a:spAutoFit/>
+          </a:bodyPr>
+          <a:lstStyle/>
+          <a:p>
+            <a:pPr marL="342900" indent="-342900">
+              <a:lnSpc>
+                <a:spcPct val="120000"/>
+              </a:lnSpc>
+              <a:buFont typeface="+mj-lt"/>
+              <a:buAutoNum type="arabicPeriod"/>
+            </a:pPr>
+            <a:r>
+              <a:rPr lang="ko-KR" altLang="en-US" sz="1400" dirty="0" smtClean="0">
+                <a:latin typeface="나눔스퀘어" panose="020B0600000101010101" pitchFamily="50" charset="-127"/>
+                <a:ea typeface="나눔스퀘어" panose="020B0600000101010101" pitchFamily="50" charset="-127"/>
+              </a:rPr>
+              <a:t>캐스팅 시간표</a:t>
+            </a:r>
+            <a:endParaRPr lang="en-US" altLang="ko-KR" sz="1400" dirty="0" smtClean="0">
+              <a:latin typeface="나눔스퀘어" panose="020B0600000101010101" pitchFamily="50" charset="-127"/>
+              <a:ea typeface="나눔스퀘어" panose="020B0600000101010101" pitchFamily="50" charset="-127"/>
+            </a:endParaRPr>
+          </a:p>
+          <a:p>
+            <a:pPr marL="342900" indent="-342900">
+              <a:lnSpc>
+                <a:spcPct val="120000"/>
+              </a:lnSpc>
+              <a:buFont typeface="+mj-lt"/>
+              <a:buAutoNum type="arabicPeriod"/>
+            </a:pPr>
+            <a:r>
+              <a:rPr lang="ko-KR" altLang="en-US" sz="1400" dirty="0">
+                <a:latin typeface="나눔스퀘어" panose="020B0600000101010101" pitchFamily="50" charset="-127"/>
+                <a:ea typeface="나눔스퀘어" panose="020B0600000101010101" pitchFamily="50" charset="-127"/>
+              </a:rPr>
+              <a:t>캐스팅 </a:t>
+            </a:r>
+            <a:r>
+              <a:rPr lang="ko-KR" altLang="en-US" sz="1400" dirty="0" smtClean="0">
+                <a:latin typeface="나눔스퀘어" panose="020B0600000101010101" pitchFamily="50" charset="-127"/>
+                <a:ea typeface="나눔스퀘어" panose="020B0600000101010101" pitchFamily="50" charset="-127"/>
+              </a:rPr>
+              <a:t>삭제</a:t>
+            </a:r>
+            <a:endParaRPr lang="en-US" altLang="ko-KR" sz="1400" dirty="0" smtClean="0">
+              <a:latin typeface="나눔스퀘어" panose="020B0600000101010101" pitchFamily="50" charset="-127"/>
+              <a:ea typeface="나눔스퀘어" panose="020B0600000101010101" pitchFamily="50" charset="-127"/>
+            </a:endParaRPr>
+          </a:p>
+          <a:p>
+            <a:pPr marL="342900" indent="-342900">
+              <a:lnSpc>
+                <a:spcPct val="120000"/>
+              </a:lnSpc>
+              <a:buFont typeface="+mj-lt"/>
+              <a:buAutoNum type="arabicPeriod"/>
+            </a:pPr>
+            <a:r>
+              <a:rPr lang="ko-KR" altLang="en-US" sz="1400" dirty="0">
+                <a:latin typeface="나눔스퀘어" panose="020B0600000101010101" pitchFamily="50" charset="-127"/>
+                <a:ea typeface="나눔스퀘어" panose="020B0600000101010101" pitchFamily="50" charset="-127"/>
+              </a:rPr>
+              <a:t>캐스팅 정보 </a:t>
+            </a:r>
+            <a:r>
+              <a:rPr lang="ko-KR" altLang="en-US" sz="1400" dirty="0" smtClean="0">
+                <a:latin typeface="나눔스퀘어" panose="020B0600000101010101" pitchFamily="50" charset="-127"/>
+                <a:ea typeface="나눔스퀘어" panose="020B0600000101010101" pitchFamily="50" charset="-127"/>
+              </a:rPr>
+              <a:t>수정</a:t>
+            </a:r>
+            <a:endParaRPr lang="en-US" altLang="ko-KR" sz="1400" dirty="0" smtClean="0">
+              <a:latin typeface="나눔스퀘어" panose="020B0600000101010101" pitchFamily="50" charset="-127"/>
+              <a:ea typeface="나눔스퀘어" panose="020B0600000101010101" pitchFamily="50" charset="-127"/>
+            </a:endParaRPr>
+          </a:p>
+          <a:p>
+            <a:pPr marL="342900" indent="-342900">
+              <a:lnSpc>
+                <a:spcPct val="120000"/>
+              </a:lnSpc>
+              <a:buFont typeface="+mj-lt"/>
+              <a:buAutoNum type="arabicPeriod"/>
+            </a:pPr>
+            <a:r>
+              <a:rPr lang="ko-KR" altLang="en-US" sz="1400" dirty="0" err="1">
+                <a:latin typeface="나눔스퀘어" panose="020B0600000101010101" pitchFamily="50" charset="-127"/>
+                <a:ea typeface="나눔스퀘어" panose="020B0600000101010101" pitchFamily="50" charset="-127"/>
+              </a:rPr>
+              <a:t>메인으로</a:t>
+            </a:r>
+            <a:r>
+              <a:rPr lang="ko-KR" altLang="en-US" sz="1400" dirty="0">
+                <a:latin typeface="나눔스퀘어" panose="020B0600000101010101" pitchFamily="50" charset="-127"/>
+                <a:ea typeface="나눔스퀘어" panose="020B0600000101010101" pitchFamily="50" charset="-127"/>
+              </a:rPr>
+              <a:t> 돌아가기</a:t>
+            </a:r>
+            <a:endParaRPr lang="en-US" altLang="ko-KR" sz="1400" dirty="0" smtClean="0">
+              <a:latin typeface="나눔스퀘어" panose="020B0600000101010101" pitchFamily="50" charset="-127"/>
+              <a:ea typeface="나눔스퀘어" panose="020B0600000101010101" pitchFamily="50" charset="-127"/>
+            </a:endParaRPr>
+          </a:p>
+          <a:p>
+            <a:pPr>
+              <a:lnSpc>
+                <a:spcPct val="120000"/>
+              </a:lnSpc>
+            </a:pPr>
+            <a:r>
+              <a:rPr lang="ko-KR" altLang="en-US" sz="1400" dirty="0" smtClean="0">
+                <a:latin typeface="나눔스퀘어" panose="020B0600000101010101" pitchFamily="50" charset="-127"/>
+                <a:ea typeface="나눔스퀘어" panose="020B0600000101010101" pitchFamily="50" charset="-127"/>
+              </a:rPr>
+              <a:t>각 메뉴를 선택하여 캐스팅 정보 수정을 할 수 있음</a:t>
+            </a:r>
+            <a:endParaRPr lang="ko-KR" altLang="en-US" sz="1400" dirty="0">
+              <a:latin typeface="나눔스퀘어" panose="020B0600000101010101" pitchFamily="50" charset="-127"/>
+              <a:ea typeface="나눔스퀘어" panose="020B0600000101010101" pitchFamily="50" charset="-127"/>
+            </a:endParaRPr>
+          </a:p>
+        </p:txBody>
+      </p:sp>
+    </p:spTree>
+    <p:extLst>
+      <p:ext uri="{BB962C8B-B14F-4D97-AF65-F5344CB8AC3E}">
+        <p14:creationId xmlns:p14="http://schemas.microsoft.com/office/powerpoint/2010/main" val="266484875"/>
       </p:ext>
     </p:extLst>
   </p:cSld>
